--- a/Poster 22-Rinta.pptx
+++ b/Poster 22-Rinta.pptx
@@ -115,7 +115,7 @@
 <file path=ppt/revisionInfo.xml><?xml version="1.0" encoding="utf-8"?>
 <p1510:revInfo xmlns:a="http://schemas.openxmlformats.org/drawingml/2006/main" xmlns:r="http://schemas.openxmlformats.org/officeDocument/2006/relationships" xmlns:p1510="http://schemas.microsoft.com/office/powerpoint/2015/10/main">
   <p1510:revLst>
-    <p1510:client id="{750DEDA0-A231-4398-9748-26383D14B8AB}" v="333" dt="2019-03-25T03:14:42.821"/>
+    <p1510:client id="{750DEDA0-A231-4398-9748-26383D14B8AB}" v="622" dt="2019-03-29T00:13:58.797"/>
   </p1510:revLst>
 </p1510:revInfo>
 </file>
@@ -125,12 +125,12 @@
   <pc:docChgLst>
     <pc:chgData name="Servasius Rinta" userId="c2c56e3386c14829" providerId="LiveId" clId="{750DEDA0-A231-4398-9748-26383D14B8AB}"/>
     <pc:docChg chg="undo custSel modSld">
-      <pc:chgData name="Servasius Rinta" userId="c2c56e3386c14829" providerId="LiveId" clId="{750DEDA0-A231-4398-9748-26383D14B8AB}" dt="2019-03-25T03:16:54.507" v="5810" actId="20577"/>
+      <pc:chgData name="Servasius Rinta" userId="c2c56e3386c14829" providerId="LiveId" clId="{750DEDA0-A231-4398-9748-26383D14B8AB}" dt="2019-03-29T02:15:54.632" v="9790" actId="20577"/>
       <pc:docMkLst>
         <pc:docMk/>
       </pc:docMkLst>
       <pc:sldChg chg="addSp delSp modSp">
-        <pc:chgData name="Servasius Rinta" userId="c2c56e3386c14829" providerId="LiveId" clId="{750DEDA0-A231-4398-9748-26383D14B8AB}" dt="2019-03-25T03:16:54.507" v="5810" actId="20577"/>
+        <pc:chgData name="Servasius Rinta" userId="c2c56e3386c14829" providerId="LiveId" clId="{750DEDA0-A231-4398-9748-26383D14B8AB}" dt="2019-03-29T02:15:54.632" v="9790" actId="20577"/>
         <pc:sldMkLst>
           <pc:docMk/>
           <pc:sldMk cId="0" sldId="256"/>
@@ -152,7 +152,7 @@
           </ac:spMkLst>
         </pc:spChg>
         <pc:spChg chg="add mod">
-          <ac:chgData name="Servasius Rinta" userId="c2c56e3386c14829" providerId="LiveId" clId="{750DEDA0-A231-4398-9748-26383D14B8AB}" dt="2019-03-25T00:13:51.807" v="4182" actId="1035"/>
+          <ac:chgData name="Servasius Rinta" userId="c2c56e3386c14829" providerId="LiveId" clId="{750DEDA0-A231-4398-9748-26383D14B8AB}" dt="2019-03-28T23:56:55.710" v="8719" actId="14100"/>
           <ac:spMkLst>
             <pc:docMk/>
             <pc:sldMk cId="0" sldId="256"/>
@@ -160,7 +160,7 @@
           </ac:spMkLst>
         </pc:spChg>
         <pc:spChg chg="add mod">
-          <ac:chgData name="Servasius Rinta" userId="c2c56e3386c14829" providerId="LiveId" clId="{750DEDA0-A231-4398-9748-26383D14B8AB}" dt="2019-03-25T00:19:30.004" v="4245" actId="1076"/>
+          <ac:chgData name="Servasius Rinta" userId="c2c56e3386c14829" providerId="LiveId" clId="{750DEDA0-A231-4398-9748-26383D14B8AB}" dt="2019-03-28T23:57:43.707" v="8771" actId="1037"/>
           <ac:spMkLst>
             <pc:docMk/>
             <pc:sldMk cId="0" sldId="256"/>
@@ -168,15 +168,23 @@
           </ac:spMkLst>
         </pc:spChg>
         <pc:spChg chg="add mod">
-          <ac:chgData name="Servasius Rinta" userId="c2c56e3386c14829" providerId="LiveId" clId="{750DEDA0-A231-4398-9748-26383D14B8AB}" dt="2019-03-25T02:14:11.627" v="4366" actId="1076"/>
+          <ac:chgData name="Servasius Rinta" userId="c2c56e3386c14829" providerId="LiveId" clId="{750DEDA0-A231-4398-9748-26383D14B8AB}" dt="2019-03-28T23:57:04.449" v="8732" actId="1036"/>
           <ac:spMkLst>
             <pc:docMk/>
             <pc:sldMk cId="0" sldId="256"/>
             <ac:spMk id="8" creationId="{474516C4-ADC9-4642-B2CA-DC7A4CC2F4FE}"/>
           </ac:spMkLst>
         </pc:spChg>
+        <pc:spChg chg="add mod ord">
+          <ac:chgData name="Servasius Rinta" userId="c2c56e3386c14829" providerId="LiveId" clId="{750DEDA0-A231-4398-9748-26383D14B8AB}" dt="2019-03-28T23:47:44.576" v="8462" actId="207"/>
+          <ac:spMkLst>
+            <pc:docMk/>
+            <pc:sldMk cId="0" sldId="256"/>
+            <ac:spMk id="11" creationId="{80194762-0A23-4C70-838D-37A69601187A}"/>
+          </ac:spMkLst>
+        </pc:spChg>
         <pc:spChg chg="add mod">
-          <ac:chgData name="Servasius Rinta" userId="c2c56e3386c14829" providerId="LiveId" clId="{750DEDA0-A231-4398-9748-26383D14B8AB}" dt="2019-03-24T23:49:28.692" v="4035" actId="1076"/>
+          <ac:chgData name="Servasius Rinta" userId="c2c56e3386c14829" providerId="LiveId" clId="{750DEDA0-A231-4398-9748-26383D14B8AB}" dt="2019-03-28T23:45:03.734" v="8433" actId="1035"/>
           <ac:spMkLst>
             <pc:docMk/>
             <pc:sldMk cId="0" sldId="256"/>
@@ -184,15 +192,63 @@
           </ac:spMkLst>
         </pc:spChg>
         <pc:spChg chg="add mod">
-          <ac:chgData name="Servasius Rinta" userId="c2c56e3386c14829" providerId="LiveId" clId="{750DEDA0-A231-4398-9748-26383D14B8AB}" dt="2019-03-25T00:20:21.394" v="4276" actId="1035"/>
+          <ac:chgData name="Servasius Rinta" userId="c2c56e3386c14829" providerId="LiveId" clId="{750DEDA0-A231-4398-9748-26383D14B8AB}" dt="2019-03-29T02:08:46.555" v="9681" actId="20577"/>
+          <ac:spMkLst>
+            <pc:docMk/>
+            <pc:sldMk cId="0" sldId="256"/>
+            <ac:spMk id="55" creationId="{F88AE1B3-8965-4A56-86A6-7B7C5297494A}"/>
+          </ac:spMkLst>
+        </pc:spChg>
+        <pc:spChg chg="add mod">
+          <ac:chgData name="Servasius Rinta" userId="c2c56e3386c14829" providerId="LiveId" clId="{750DEDA0-A231-4398-9748-26383D14B8AB}" dt="2019-03-29T02:08:16.332" v="9650" actId="1076"/>
+          <ac:spMkLst>
+            <pc:docMk/>
+            <pc:sldMk cId="0" sldId="256"/>
+            <ac:spMk id="58" creationId="{F1472826-276D-4918-AAE1-4224B3DAFFCE}"/>
+          </ac:spMkLst>
+        </pc:spChg>
+        <pc:spChg chg="add mod">
+          <ac:chgData name="Servasius Rinta" userId="c2c56e3386c14829" providerId="LiveId" clId="{750DEDA0-A231-4398-9748-26383D14B8AB}" dt="2019-03-29T01:59:29.452" v="9293" actId="1035"/>
+          <ac:spMkLst>
+            <pc:docMk/>
+            <pc:sldMk cId="0" sldId="256"/>
+            <ac:spMk id="59" creationId="{4138AD24-7B2D-4DB7-914B-38B72652820B}"/>
+          </ac:spMkLst>
+        </pc:spChg>
+        <pc:spChg chg="add mod">
+          <ac:chgData name="Servasius Rinta" userId="c2c56e3386c14829" providerId="LiveId" clId="{750DEDA0-A231-4398-9748-26383D14B8AB}" dt="2019-03-29T02:02:29.590" v="9365" actId="1076"/>
+          <ac:spMkLst>
+            <pc:docMk/>
+            <pc:sldMk cId="0" sldId="256"/>
+            <ac:spMk id="61" creationId="{C214692A-1E31-4066-AF10-CF3C59A81C96}"/>
+          </ac:spMkLst>
+        </pc:spChg>
+        <pc:spChg chg="add mod">
+          <ac:chgData name="Servasius Rinta" userId="c2c56e3386c14829" providerId="LiveId" clId="{750DEDA0-A231-4398-9748-26383D14B8AB}" dt="2019-03-28T23:57:50.458" v="8776" actId="1036"/>
           <ac:spMkLst>
             <pc:docMk/>
             <pc:sldMk cId="0" sldId="256"/>
             <ac:spMk id="62" creationId="{D0FDEEBC-4B31-4369-BD9E-65314998BBC1}"/>
           </ac:spMkLst>
         </pc:spChg>
+        <pc:spChg chg="add mod">
+          <ac:chgData name="Servasius Rinta" userId="c2c56e3386c14829" providerId="LiveId" clId="{750DEDA0-A231-4398-9748-26383D14B8AB}" dt="2019-03-29T02:15:54.632" v="9790" actId="20577"/>
+          <ac:spMkLst>
+            <pc:docMk/>
+            <pc:sldMk cId="0" sldId="256"/>
+            <ac:spMk id="63" creationId="{05E92A8F-AA91-4A54-B8B9-DCBFAD26164E}"/>
+          </ac:spMkLst>
+        </pc:spChg>
+        <pc:spChg chg="add mod">
+          <ac:chgData name="Servasius Rinta" userId="c2c56e3386c14829" providerId="LiveId" clId="{750DEDA0-A231-4398-9748-26383D14B8AB}" dt="2019-03-29T02:03:17.297" v="9366" actId="20577"/>
+          <ac:spMkLst>
+            <pc:docMk/>
+            <pc:sldMk cId="0" sldId="256"/>
+            <ac:spMk id="64" creationId="{5C5C7375-E9B4-48BE-9C36-6FB41909B031}"/>
+          </ac:spMkLst>
+        </pc:spChg>
         <pc:spChg chg="mod">
-          <ac:chgData name="Servasius Rinta" userId="c2c56e3386c14829" providerId="LiveId" clId="{750DEDA0-A231-4398-9748-26383D14B8AB}" dt="2019-03-25T02:59:39.156" v="5717" actId="404"/>
+          <ac:chgData name="Servasius Rinta" userId="c2c56e3386c14829" providerId="LiveId" clId="{750DEDA0-A231-4398-9748-26383D14B8AB}" dt="2019-03-28T23:47:29.559" v="8460" actId="1076"/>
           <ac:spMkLst>
             <pc:docMk/>
             <pc:sldMk cId="0" sldId="256"/>
@@ -200,7 +256,7 @@
           </ac:spMkLst>
         </pc:spChg>
         <pc:spChg chg="mod">
-          <ac:chgData name="Servasius Rinta" userId="c2c56e3386c14829" providerId="LiveId" clId="{750DEDA0-A231-4398-9748-26383D14B8AB}" dt="2019-03-25T03:01:58.136" v="5769" actId="20577"/>
+          <ac:chgData name="Servasius Rinta" userId="c2c56e3386c14829" providerId="LiveId" clId="{750DEDA0-A231-4398-9748-26383D14B8AB}" dt="2019-03-28T23:48:54.926" v="8483" actId="1076"/>
           <ac:spMkLst>
             <pc:docMk/>
             <pc:sldMk cId="0" sldId="256"/>
@@ -208,7 +264,15 @@
           </ac:spMkLst>
         </pc:spChg>
         <pc:spChg chg="mod">
-          <ac:chgData name="Servasius Rinta" userId="c2c56e3386c14829" providerId="LiveId" clId="{750DEDA0-A231-4398-9748-26383D14B8AB}" dt="2019-03-25T03:03:20.705" v="5777" actId="20577"/>
+          <ac:chgData name="Servasius Rinta" userId="c2c56e3386c14829" providerId="LiveId" clId="{750DEDA0-A231-4398-9748-26383D14B8AB}" dt="2019-03-28T23:45:03.734" v="8433" actId="1035"/>
+          <ac:spMkLst>
+            <pc:docMk/>
+            <pc:sldMk cId="0" sldId="256"/>
+            <ac:spMk id="67" creationId="{00000000-0000-0000-0000-000000000000}"/>
+          </ac:spMkLst>
+        </pc:spChg>
+        <pc:spChg chg="mod">
+          <ac:chgData name="Servasius Rinta" userId="c2c56e3386c14829" providerId="LiveId" clId="{750DEDA0-A231-4398-9748-26383D14B8AB}" dt="2019-03-28T23:45:03.734" v="8433" actId="1035"/>
           <ac:spMkLst>
             <pc:docMk/>
             <pc:sldMk cId="0" sldId="256"/>
@@ -224,7 +288,7 @@
           </ac:spMkLst>
         </pc:spChg>
         <pc:spChg chg="mod">
-          <ac:chgData name="Servasius Rinta" userId="c2c56e3386c14829" providerId="LiveId" clId="{750DEDA0-A231-4398-9748-26383D14B8AB}" dt="2019-03-24T23:58:58.985" v="4079" actId="20577"/>
+          <ac:chgData name="Servasius Rinta" userId="c2c56e3386c14829" providerId="LiveId" clId="{750DEDA0-A231-4398-9748-26383D14B8AB}" dt="2019-03-28T23:45:03.734" v="8433" actId="1035"/>
           <ac:spMkLst>
             <pc:docMk/>
             <pc:sldMk cId="0" sldId="256"/>
@@ -232,7 +296,7 @@
           </ac:spMkLst>
         </pc:spChg>
         <pc:spChg chg="mod">
-          <ac:chgData name="Servasius Rinta" userId="c2c56e3386c14829" providerId="LiveId" clId="{750DEDA0-A231-4398-9748-26383D14B8AB}" dt="2019-03-24T22:44:05.810" v="2331" actId="404"/>
+          <ac:chgData name="Servasius Rinta" userId="c2c56e3386c14829" providerId="LiveId" clId="{750DEDA0-A231-4398-9748-26383D14B8AB}" dt="2019-03-28T23:45:03.734" v="8433" actId="1035"/>
           <ac:spMkLst>
             <pc:docMk/>
             <pc:sldMk cId="0" sldId="256"/>
@@ -240,7 +304,7 @@
           </ac:spMkLst>
         </pc:spChg>
         <pc:spChg chg="mod">
-          <ac:chgData name="Servasius Rinta" userId="c2c56e3386c14829" providerId="LiveId" clId="{750DEDA0-A231-4398-9748-26383D14B8AB}" dt="2019-03-24T22:58:04.993" v="2444" actId="20577"/>
+          <ac:chgData name="Servasius Rinta" userId="c2c56e3386c14829" providerId="LiveId" clId="{750DEDA0-A231-4398-9748-26383D14B8AB}" dt="2019-03-28T23:45:03.734" v="8433" actId="1035"/>
           <ac:spMkLst>
             <pc:docMk/>
             <pc:sldMk cId="0" sldId="256"/>
@@ -256,7 +320,7 @@
           </ac:spMkLst>
         </pc:spChg>
         <pc:spChg chg="mod">
-          <ac:chgData name="Servasius Rinta" userId="c2c56e3386c14829" providerId="LiveId" clId="{750DEDA0-A231-4398-9748-26383D14B8AB}" dt="2019-03-25T00:00:26.313" v="4081" actId="14100"/>
+          <ac:chgData name="Servasius Rinta" userId="c2c56e3386c14829" providerId="LiveId" clId="{750DEDA0-A231-4398-9748-26383D14B8AB}" dt="2019-03-28T23:45:03.734" v="8433" actId="1035"/>
           <ac:spMkLst>
             <pc:docMk/>
             <pc:sldMk cId="0" sldId="256"/>
@@ -264,7 +328,7 @@
           </ac:spMkLst>
         </pc:spChg>
         <pc:spChg chg="mod">
-          <ac:chgData name="Servasius Rinta" userId="c2c56e3386c14829" providerId="LiveId" clId="{750DEDA0-A231-4398-9748-26383D14B8AB}" dt="2019-03-25T00:00:23.970" v="4080" actId="14100"/>
+          <ac:chgData name="Servasius Rinta" userId="c2c56e3386c14829" providerId="LiveId" clId="{750DEDA0-A231-4398-9748-26383D14B8AB}" dt="2019-03-29T02:04:03.072" v="9387" actId="20577"/>
           <ac:spMkLst>
             <pc:docMk/>
             <pc:sldMk cId="0" sldId="256"/>
@@ -272,7 +336,7 @@
           </ac:spMkLst>
         </pc:spChg>
         <pc:spChg chg="mod">
-          <ac:chgData name="Servasius Rinta" userId="c2c56e3386c14829" providerId="LiveId" clId="{750DEDA0-A231-4398-9748-26383D14B8AB}" dt="2019-03-25T02:22:14.620" v="4682" actId="1037"/>
+          <ac:chgData name="Servasius Rinta" userId="c2c56e3386c14829" providerId="LiveId" clId="{750DEDA0-A231-4398-9748-26383D14B8AB}" dt="2019-03-28T23:45:03.734" v="8433" actId="1035"/>
           <ac:spMkLst>
             <pc:docMk/>
             <pc:sldMk cId="0" sldId="256"/>
@@ -280,7 +344,7 @@
           </ac:spMkLst>
         </pc:spChg>
         <pc:spChg chg="mod">
-          <ac:chgData name="Servasius Rinta" userId="c2c56e3386c14829" providerId="LiveId" clId="{750DEDA0-A231-4398-9748-26383D14B8AB}" dt="2019-03-25T02:22:14.620" v="4682" actId="1037"/>
+          <ac:chgData name="Servasius Rinta" userId="c2c56e3386c14829" providerId="LiveId" clId="{750DEDA0-A231-4398-9748-26383D14B8AB}" dt="2019-03-28T23:45:03.734" v="8433" actId="1035"/>
           <ac:spMkLst>
             <pc:docMk/>
             <pc:sldMk cId="0" sldId="256"/>
@@ -288,7 +352,7 @@
           </ac:spMkLst>
         </pc:spChg>
         <pc:spChg chg="mod">
-          <ac:chgData name="Servasius Rinta" userId="c2c56e3386c14829" providerId="LiveId" clId="{750DEDA0-A231-4398-9748-26383D14B8AB}" dt="2019-03-25T02:22:14.620" v="4682" actId="1037"/>
+          <ac:chgData name="Servasius Rinta" userId="c2c56e3386c14829" providerId="LiveId" clId="{750DEDA0-A231-4398-9748-26383D14B8AB}" dt="2019-03-28T23:45:03.734" v="8433" actId="1035"/>
           <ac:spMkLst>
             <pc:docMk/>
             <pc:sldMk cId="0" sldId="256"/>
@@ -296,7 +360,7 @@
           </ac:spMkLst>
         </pc:spChg>
         <pc:spChg chg="mod">
-          <ac:chgData name="Servasius Rinta" userId="c2c56e3386c14829" providerId="LiveId" clId="{750DEDA0-A231-4398-9748-26383D14B8AB}" dt="2019-03-25T03:16:54.507" v="5810" actId="20577"/>
+          <ac:chgData name="Servasius Rinta" userId="c2c56e3386c14829" providerId="LiveId" clId="{750DEDA0-A231-4398-9748-26383D14B8AB}" dt="2019-03-28T23:45:03.734" v="8433" actId="1035"/>
           <ac:spMkLst>
             <pc:docMk/>
             <pc:sldMk cId="0" sldId="256"/>
@@ -304,7 +368,7 @@
           </ac:spMkLst>
         </pc:spChg>
         <pc:spChg chg="mod">
-          <ac:chgData name="Servasius Rinta" userId="c2c56e3386c14829" providerId="LiveId" clId="{750DEDA0-A231-4398-9748-26383D14B8AB}" dt="2019-03-25T02:47:07.810" v="5140" actId="1076"/>
+          <ac:chgData name="Servasius Rinta" userId="c2c56e3386c14829" providerId="LiveId" clId="{750DEDA0-A231-4398-9748-26383D14B8AB}" dt="2019-03-28T23:45:03.734" v="8433" actId="1035"/>
           <ac:spMkLst>
             <pc:docMk/>
             <pc:sldMk cId="0" sldId="256"/>
@@ -312,7 +376,7 @@
           </ac:spMkLst>
         </pc:spChg>
         <pc:spChg chg="mod">
-          <ac:chgData name="Servasius Rinta" userId="c2c56e3386c14829" providerId="LiveId" clId="{750DEDA0-A231-4398-9748-26383D14B8AB}" dt="2019-03-25T00:13:51.807" v="4182" actId="1035"/>
+          <ac:chgData name="Servasius Rinta" userId="c2c56e3386c14829" providerId="LiveId" clId="{750DEDA0-A231-4398-9748-26383D14B8AB}" dt="2019-03-28T23:56:45.392" v="8717" actId="1037"/>
           <ac:spMkLst>
             <pc:docMk/>
             <pc:sldMk cId="0" sldId="256"/>
@@ -320,7 +384,7 @@
           </ac:spMkLst>
         </pc:spChg>
         <pc:spChg chg="mod">
-          <ac:chgData name="Servasius Rinta" userId="c2c56e3386c14829" providerId="LiveId" clId="{750DEDA0-A231-4398-9748-26383D14B8AB}" dt="2019-03-24T23:48:14.534" v="4034" actId="1076"/>
+          <ac:chgData name="Servasius Rinta" userId="c2c56e3386c14829" providerId="LiveId" clId="{750DEDA0-A231-4398-9748-26383D14B8AB}" dt="2019-03-28T23:45:03.734" v="8433" actId="1035"/>
           <ac:spMkLst>
             <pc:docMk/>
             <pc:sldMk cId="0" sldId="256"/>
@@ -336,7 +400,7 @@
           </ac:spMkLst>
         </pc:spChg>
         <pc:spChg chg="mod">
-          <ac:chgData name="Servasius Rinta" userId="c2c56e3386c14829" providerId="LiveId" clId="{750DEDA0-A231-4398-9748-26383D14B8AB}" dt="2019-03-24T23:48:14.534" v="4034" actId="1076"/>
+          <ac:chgData name="Servasius Rinta" userId="c2c56e3386c14829" providerId="LiveId" clId="{750DEDA0-A231-4398-9748-26383D14B8AB}" dt="2019-03-28T23:45:03.734" v="8433" actId="1035"/>
           <ac:spMkLst>
             <pc:docMk/>
             <pc:sldMk cId="0" sldId="256"/>
@@ -344,7 +408,7 @@
           </ac:spMkLst>
         </pc:spChg>
         <pc:spChg chg="mod">
-          <ac:chgData name="Servasius Rinta" userId="c2c56e3386c14829" providerId="LiveId" clId="{750DEDA0-A231-4398-9748-26383D14B8AB}" dt="2019-03-24T23:48:14.534" v="4034" actId="1076"/>
+          <ac:chgData name="Servasius Rinta" userId="c2c56e3386c14829" providerId="LiveId" clId="{750DEDA0-A231-4398-9748-26383D14B8AB}" dt="2019-03-28T23:45:03.734" v="8433" actId="1035"/>
           <ac:spMkLst>
             <pc:docMk/>
             <pc:sldMk cId="0" sldId="256"/>
@@ -352,7 +416,7 @@
           </ac:spMkLst>
         </pc:spChg>
         <pc:spChg chg="mod">
-          <ac:chgData name="Servasius Rinta" userId="c2c56e3386c14829" providerId="LiveId" clId="{750DEDA0-A231-4398-9748-26383D14B8AB}" dt="2019-03-24T23:48:14.534" v="4034" actId="1076"/>
+          <ac:chgData name="Servasius Rinta" userId="c2c56e3386c14829" providerId="LiveId" clId="{750DEDA0-A231-4398-9748-26383D14B8AB}" dt="2019-03-28T23:45:03.734" v="8433" actId="1035"/>
           <ac:spMkLst>
             <pc:docMk/>
             <pc:sldMk cId="0" sldId="256"/>
@@ -368,7 +432,7 @@
           </ac:spMkLst>
         </pc:spChg>
         <pc:spChg chg="mod">
-          <ac:chgData name="Servasius Rinta" userId="c2c56e3386c14829" providerId="LiveId" clId="{750DEDA0-A231-4398-9748-26383D14B8AB}" dt="2019-03-24T23:48:14.534" v="4034" actId="1076"/>
+          <ac:chgData name="Servasius Rinta" userId="c2c56e3386c14829" providerId="LiveId" clId="{750DEDA0-A231-4398-9748-26383D14B8AB}" dt="2019-03-28T23:45:03.734" v="8433" actId="1035"/>
           <ac:spMkLst>
             <pc:docMk/>
             <pc:sldMk cId="0" sldId="256"/>
@@ -376,7 +440,7 @@
           </ac:spMkLst>
         </pc:spChg>
         <pc:spChg chg="mod">
-          <ac:chgData name="Servasius Rinta" userId="c2c56e3386c14829" providerId="LiveId" clId="{750DEDA0-A231-4398-9748-26383D14B8AB}" dt="2019-03-24T23:48:14.534" v="4034" actId="1076"/>
+          <ac:chgData name="Servasius Rinta" userId="c2c56e3386c14829" providerId="LiveId" clId="{750DEDA0-A231-4398-9748-26383D14B8AB}" dt="2019-03-28T23:45:03.734" v="8433" actId="1035"/>
           <ac:spMkLst>
             <pc:docMk/>
             <pc:sldMk cId="0" sldId="256"/>
@@ -384,7 +448,7 @@
           </ac:spMkLst>
         </pc:spChg>
         <pc:spChg chg="mod">
-          <ac:chgData name="Servasius Rinta" userId="c2c56e3386c14829" providerId="LiveId" clId="{750DEDA0-A231-4398-9748-26383D14B8AB}" dt="2019-03-24T23:48:14.534" v="4034" actId="1076"/>
+          <ac:chgData name="Servasius Rinta" userId="c2c56e3386c14829" providerId="LiveId" clId="{750DEDA0-A231-4398-9748-26383D14B8AB}" dt="2019-03-28T23:45:03.734" v="8433" actId="1035"/>
           <ac:spMkLst>
             <pc:docMk/>
             <pc:sldMk cId="0" sldId="256"/>
@@ -400,7 +464,7 @@
           </ac:spMkLst>
         </pc:spChg>
         <pc:spChg chg="mod">
-          <ac:chgData name="Servasius Rinta" userId="c2c56e3386c14829" providerId="LiveId" clId="{750DEDA0-A231-4398-9748-26383D14B8AB}" dt="2019-03-24T23:48:14.534" v="4034" actId="1076"/>
+          <ac:chgData name="Servasius Rinta" userId="c2c56e3386c14829" providerId="LiveId" clId="{750DEDA0-A231-4398-9748-26383D14B8AB}" dt="2019-03-28T23:45:03.734" v="8433" actId="1035"/>
           <ac:spMkLst>
             <pc:docMk/>
             <pc:sldMk cId="0" sldId="256"/>
@@ -408,7 +472,7 @@
           </ac:spMkLst>
         </pc:spChg>
         <pc:spChg chg="mod">
-          <ac:chgData name="Servasius Rinta" userId="c2c56e3386c14829" providerId="LiveId" clId="{750DEDA0-A231-4398-9748-26383D14B8AB}" dt="2019-03-24T23:48:14.534" v="4034" actId="1076"/>
+          <ac:chgData name="Servasius Rinta" userId="c2c56e3386c14829" providerId="LiveId" clId="{750DEDA0-A231-4398-9748-26383D14B8AB}" dt="2019-03-28T23:45:03.734" v="8433" actId="1035"/>
           <ac:spMkLst>
             <pc:docMk/>
             <pc:sldMk cId="0" sldId="256"/>
@@ -416,7 +480,7 @@
           </ac:spMkLst>
         </pc:spChg>
         <pc:spChg chg="mod">
-          <ac:chgData name="Servasius Rinta" userId="c2c56e3386c14829" providerId="LiveId" clId="{750DEDA0-A231-4398-9748-26383D14B8AB}" dt="2019-03-24T23:48:14.534" v="4034" actId="1076"/>
+          <ac:chgData name="Servasius Rinta" userId="c2c56e3386c14829" providerId="LiveId" clId="{750DEDA0-A231-4398-9748-26383D14B8AB}" dt="2019-03-28T23:45:03.734" v="8433" actId="1035"/>
           <ac:spMkLst>
             <pc:docMk/>
             <pc:sldMk cId="0" sldId="256"/>
@@ -432,7 +496,7 @@
           </ac:spMkLst>
         </pc:spChg>
         <pc:spChg chg="mod">
-          <ac:chgData name="Servasius Rinta" userId="c2c56e3386c14829" providerId="LiveId" clId="{750DEDA0-A231-4398-9748-26383D14B8AB}" dt="2019-03-24T23:48:14.534" v="4034" actId="1076"/>
+          <ac:chgData name="Servasius Rinta" userId="c2c56e3386c14829" providerId="LiveId" clId="{750DEDA0-A231-4398-9748-26383D14B8AB}" dt="2019-03-28T23:45:03.734" v="8433" actId="1035"/>
           <ac:spMkLst>
             <pc:docMk/>
             <pc:sldMk cId="0" sldId="256"/>
@@ -440,11 +504,19 @@
           </ac:spMkLst>
         </pc:spChg>
         <pc:spChg chg="mod">
-          <ac:chgData name="Servasius Rinta" userId="c2c56e3386c14829" providerId="LiveId" clId="{750DEDA0-A231-4398-9748-26383D14B8AB}" dt="2019-03-24T23:48:14.534" v="4034" actId="1076"/>
+          <ac:chgData name="Servasius Rinta" userId="c2c56e3386c14829" providerId="LiveId" clId="{750DEDA0-A231-4398-9748-26383D14B8AB}" dt="2019-03-28T23:45:03.734" v="8433" actId="1035"/>
           <ac:spMkLst>
             <pc:docMk/>
             <pc:sldMk cId="0" sldId="256"/>
             <ac:spMk id="98" creationId="{00000000-0000-0000-0000-000000000000}"/>
+          </ac:spMkLst>
+        </pc:spChg>
+        <pc:spChg chg="mod">
+          <ac:chgData name="Servasius Rinta" userId="c2c56e3386c14829" providerId="LiveId" clId="{750DEDA0-A231-4398-9748-26383D14B8AB}" dt="2019-03-28T23:45:03.734" v="8433" actId="1035"/>
+          <ac:spMkLst>
+            <pc:docMk/>
+            <pc:sldMk cId="0" sldId="256"/>
+            <ac:spMk id="99" creationId="{00000000-0000-0000-0000-000000000000}"/>
           </ac:spMkLst>
         </pc:spChg>
         <pc:spChg chg="del">
@@ -464,7 +536,7 @@
           </ac:spMkLst>
         </pc:spChg>
         <pc:spChg chg="mod">
-          <ac:chgData name="Servasius Rinta" userId="c2c56e3386c14829" providerId="LiveId" clId="{750DEDA0-A231-4398-9748-26383D14B8AB}" dt="2019-03-25T03:14:42.820" v="5784" actId="20577"/>
+          <ac:chgData name="Servasius Rinta" userId="c2c56e3386c14829" providerId="LiveId" clId="{750DEDA0-A231-4398-9748-26383D14B8AB}" dt="2019-03-29T00:14:08.456" v="9011" actId="1035"/>
           <ac:spMkLst>
             <pc:docMk/>
             <pc:sldMk cId="0" sldId="256"/>
@@ -472,7 +544,15 @@
           </ac:spMkLst>
         </pc:spChg>
         <pc:spChg chg="mod">
-          <ac:chgData name="Servasius Rinta" userId="c2c56e3386c14829" providerId="LiveId" clId="{750DEDA0-A231-4398-9748-26383D14B8AB}" dt="2019-03-25T03:11:18.146" v="5782" actId="20577"/>
+          <ac:chgData name="Servasius Rinta" userId="c2c56e3386c14829" providerId="LiveId" clId="{750DEDA0-A231-4398-9748-26383D14B8AB}" dt="2019-03-28T23:45:03.734" v="8433" actId="1035"/>
+          <ac:spMkLst>
+            <pc:docMk/>
+            <pc:sldMk cId="0" sldId="256"/>
+            <ac:spMk id="104" creationId="{00000000-0000-0000-0000-000000000000}"/>
+          </ac:spMkLst>
+        </pc:spChg>
+        <pc:spChg chg="mod">
+          <ac:chgData name="Servasius Rinta" userId="c2c56e3386c14829" providerId="LiveId" clId="{750DEDA0-A231-4398-9748-26383D14B8AB}" dt="2019-03-29T02:08:55.270" v="9688" actId="1036"/>
           <ac:spMkLst>
             <pc:docMk/>
             <pc:sldMk cId="0" sldId="256"/>
@@ -488,7 +568,7 @@
           </ac:spMkLst>
         </pc:spChg>
         <pc:spChg chg="mod">
-          <ac:chgData name="Servasius Rinta" userId="c2c56e3386c14829" providerId="LiveId" clId="{750DEDA0-A231-4398-9748-26383D14B8AB}" dt="2019-03-25T02:56:51.206" v="5605" actId="14100"/>
+          <ac:chgData name="Servasius Rinta" userId="c2c56e3386c14829" providerId="LiveId" clId="{750DEDA0-A231-4398-9748-26383D14B8AB}" dt="2019-03-29T00:20:15.813" v="9022" actId="1036"/>
           <ac:spMkLst>
             <pc:docMk/>
             <pc:sldMk cId="0" sldId="256"/>
@@ -504,7 +584,7 @@
           </ac:spMkLst>
         </pc:spChg>
         <pc:spChg chg="add mod">
-          <ac:chgData name="Servasius Rinta" userId="c2c56e3386c14829" providerId="LiveId" clId="{750DEDA0-A231-4398-9748-26383D14B8AB}" dt="2019-03-25T02:25:45.395" v="4689" actId="20577"/>
+          <ac:chgData name="Servasius Rinta" userId="c2c56e3386c14829" providerId="LiveId" clId="{750DEDA0-A231-4398-9748-26383D14B8AB}" dt="2019-03-28T23:45:03.734" v="8433" actId="1035"/>
           <ac:spMkLst>
             <pc:docMk/>
             <pc:sldMk cId="0" sldId="256"/>
@@ -512,7 +592,7 @@
           </ac:spMkLst>
         </pc:spChg>
         <pc:spChg chg="add mod">
-          <ac:chgData name="Servasius Rinta" userId="c2c56e3386c14829" providerId="LiveId" clId="{750DEDA0-A231-4398-9748-26383D14B8AB}" dt="2019-03-25T02:41:34.180" v="4904" actId="14100"/>
+          <ac:chgData name="Servasius Rinta" userId="c2c56e3386c14829" providerId="LiveId" clId="{750DEDA0-A231-4398-9748-26383D14B8AB}" dt="2019-03-28T23:45:03.734" v="8433" actId="1035"/>
           <ac:spMkLst>
             <pc:docMk/>
             <pc:sldMk cId="0" sldId="256"/>
@@ -528,15 +608,15 @@
           </ac:spMkLst>
         </pc:spChg>
         <pc:spChg chg="add mod">
-          <ac:chgData name="Servasius Rinta" userId="c2c56e3386c14829" providerId="LiveId" clId="{750DEDA0-A231-4398-9748-26383D14B8AB}" dt="2019-03-25T02:47:57.881" v="5304" actId="1037"/>
+          <ac:chgData name="Servasius Rinta" userId="c2c56e3386c14829" providerId="LiveId" clId="{750DEDA0-A231-4398-9748-26383D14B8AB}" dt="2019-03-29T02:10:24.764" v="9695" actId="1036"/>
           <ac:spMkLst>
             <pc:docMk/>
             <pc:sldMk cId="0" sldId="256"/>
             <ac:spMk id="114" creationId="{711EBF1B-F32F-4ED7-BCAA-45F52BB0ACA1}"/>
           </ac:spMkLst>
         </pc:spChg>
-        <pc:spChg chg="add mod">
-          <ac:chgData name="Servasius Rinta" userId="c2c56e3386c14829" providerId="LiveId" clId="{750DEDA0-A231-4398-9748-26383D14B8AB}" dt="2019-03-25T02:53:54.989" v="5570" actId="1076"/>
+        <pc:spChg chg="add del mod">
+          <ac:chgData name="Servasius Rinta" userId="c2c56e3386c14829" providerId="LiveId" clId="{750DEDA0-A231-4398-9748-26383D14B8AB}" dt="2019-03-28T23:00:22.649" v="7918" actId="478"/>
           <ac:spMkLst>
             <pc:docMk/>
             <pc:sldMk cId="0" sldId="256"/>
@@ -560,7 +640,15 @@
           </ac:graphicFrameMkLst>
         </pc:graphicFrameChg>
         <pc:picChg chg="add mod">
-          <ac:chgData name="Servasius Rinta" userId="c2c56e3386c14829" providerId="LiveId" clId="{750DEDA0-A231-4398-9748-26383D14B8AB}" dt="2019-03-24T23:52:07.246" v="4047" actId="1036"/>
+          <ac:chgData name="Servasius Rinta" userId="c2c56e3386c14829" providerId="LiveId" clId="{750DEDA0-A231-4398-9748-26383D14B8AB}" dt="2019-03-29T02:08:58.300" v="9689" actId="14100"/>
+          <ac:picMkLst>
+            <pc:docMk/>
+            <pc:sldMk cId="0" sldId="256"/>
+            <ac:picMk id="2" creationId="{A20400CB-68C3-47DB-BCCA-0844A46D8859}"/>
+          </ac:picMkLst>
+        </pc:picChg>
+        <pc:picChg chg="add mod">
+          <ac:chgData name="Servasius Rinta" userId="c2c56e3386c14829" providerId="LiveId" clId="{750DEDA0-A231-4398-9748-26383D14B8AB}" dt="2019-03-28T23:45:03.734" v="8433" actId="1035"/>
           <ac:picMkLst>
             <pc:docMk/>
             <pc:sldMk cId="0" sldId="256"/>
@@ -568,7 +656,7 @@
           </ac:picMkLst>
         </pc:picChg>
         <pc:picChg chg="add mod">
-          <ac:chgData name="Servasius Rinta" userId="c2c56e3386c14829" providerId="LiveId" clId="{750DEDA0-A231-4398-9748-26383D14B8AB}" dt="2019-03-24T23:56:11.243" v="4077" actId="14100"/>
+          <ac:chgData name="Servasius Rinta" userId="c2c56e3386c14829" providerId="LiveId" clId="{750DEDA0-A231-4398-9748-26383D14B8AB}" dt="2019-03-28T23:45:03.734" v="8433" actId="1035"/>
           <ac:picMkLst>
             <pc:docMk/>
             <pc:sldMk cId="0" sldId="256"/>
@@ -576,7 +664,15 @@
           </ac:picMkLst>
         </pc:picChg>
         <pc:picChg chg="add mod">
-          <ac:chgData name="Servasius Rinta" userId="c2c56e3386c14829" providerId="LiveId" clId="{750DEDA0-A231-4398-9748-26383D14B8AB}" dt="2019-03-25T02:27:17.983" v="4766" actId="1076"/>
+          <ac:chgData name="Servasius Rinta" userId="c2c56e3386c14829" providerId="LiveId" clId="{750DEDA0-A231-4398-9748-26383D14B8AB}" dt="2019-03-29T01:59:33.083" v="9305" actId="1035"/>
+          <ac:picMkLst>
+            <pc:docMk/>
+            <pc:sldMk cId="0" sldId="256"/>
+            <ac:picMk id="5" creationId="{45161D68-25FC-425A-BF7F-9F4C023BA03B}"/>
+          </ac:picMkLst>
+        </pc:picChg>
+        <pc:picChg chg="add del mod">
+          <ac:chgData name="Servasius Rinta" userId="c2c56e3386c14829" providerId="LiveId" clId="{750DEDA0-A231-4398-9748-26383D14B8AB}" dt="2019-03-29T00:12:46.291" v="8926" actId="478"/>
           <ac:picMkLst>
             <pc:docMk/>
             <pc:sldMk cId="0" sldId="256"/>
@@ -584,7 +680,23 @@
           </ac:picMkLst>
         </pc:picChg>
         <pc:picChg chg="add mod">
-          <ac:chgData name="Servasius Rinta" userId="c2c56e3386c14829" providerId="LiveId" clId="{750DEDA0-A231-4398-9748-26383D14B8AB}" dt="2019-03-24T23:00:48.046" v="2469" actId="1035"/>
+          <ac:chgData name="Servasius Rinta" userId="c2c56e3386c14829" providerId="LiveId" clId="{750DEDA0-A231-4398-9748-26383D14B8AB}" dt="2019-03-29T01:59:33.083" v="9305" actId="1035"/>
+          <ac:picMkLst>
+            <pc:docMk/>
+            <pc:sldMk cId="0" sldId="256"/>
+            <ac:picMk id="10" creationId="{CB7936BB-2F94-4DC0-8D75-CA03FFD200D2}"/>
+          </ac:picMkLst>
+        </pc:picChg>
+        <pc:picChg chg="add mod">
+          <ac:chgData name="Servasius Rinta" userId="c2c56e3386c14829" providerId="LiveId" clId="{750DEDA0-A231-4398-9748-26383D14B8AB}" dt="2019-03-29T00:13:47.201" v="8992" actId="1036"/>
+          <ac:picMkLst>
+            <pc:docMk/>
+            <pc:sldMk cId="0" sldId="256"/>
+            <ac:picMk id="12" creationId="{FDA92572-E609-47A2-9951-E4D193D3B2B4}"/>
+          </ac:picMkLst>
+        </pc:picChg>
+        <pc:picChg chg="add mod">
+          <ac:chgData name="Servasius Rinta" userId="c2c56e3386c14829" providerId="LiveId" clId="{750DEDA0-A231-4398-9748-26383D14B8AB}" dt="2019-03-28T23:45:03.734" v="8433" actId="1035"/>
           <ac:picMkLst>
             <pc:docMk/>
             <pc:sldMk cId="0" sldId="256"/>
@@ -616,7 +728,7 @@
           </ac:picMkLst>
         </pc:picChg>
         <pc:picChg chg="add mod">
-          <ac:chgData name="Servasius Rinta" userId="c2c56e3386c14829" providerId="LiveId" clId="{750DEDA0-A231-4398-9748-26383D14B8AB}" dt="2019-03-25T00:20:23.498" v="4279" actId="1035"/>
+          <ac:chgData name="Servasius Rinta" userId="c2c56e3386c14829" providerId="LiveId" clId="{750DEDA0-A231-4398-9748-26383D14B8AB}" dt="2019-03-28T23:57:08.834" v="8742" actId="1036"/>
           <ac:picMkLst>
             <pc:docMk/>
             <pc:sldMk cId="0" sldId="256"/>
@@ -624,7 +736,7 @@
           </ac:picMkLst>
         </pc:picChg>
         <pc:picChg chg="add mod">
-          <ac:chgData name="Servasius Rinta" userId="c2c56e3386c14829" providerId="LiveId" clId="{750DEDA0-A231-4398-9748-26383D14B8AB}" dt="2019-03-25T00:13:51.807" v="4182" actId="1035"/>
+          <ac:chgData name="Servasius Rinta" userId="c2c56e3386c14829" providerId="LiveId" clId="{750DEDA0-A231-4398-9748-26383D14B8AB}" dt="2019-03-28T23:45:03.734" v="8433" actId="1035"/>
           <ac:picMkLst>
             <pc:docMk/>
             <pc:sldMk cId="0" sldId="256"/>
@@ -632,7 +744,7 @@
           </ac:picMkLst>
         </pc:picChg>
         <pc:picChg chg="add mod">
-          <ac:chgData name="Servasius Rinta" userId="c2c56e3386c14829" providerId="LiveId" clId="{750DEDA0-A231-4398-9748-26383D14B8AB}" dt="2019-03-25T00:13:51.807" v="4182" actId="1035"/>
+          <ac:chgData name="Servasius Rinta" userId="c2c56e3386c14829" providerId="LiveId" clId="{750DEDA0-A231-4398-9748-26383D14B8AB}" dt="2019-03-28T23:45:03.734" v="8433" actId="1035"/>
           <ac:picMkLst>
             <pc:docMk/>
             <pc:sldMk cId="0" sldId="256"/>
@@ -647,8 +759,8 @@
             <ac:picMk id="108" creationId="{00000000-0000-0000-0000-000000000000}"/>
           </ac:picMkLst>
         </pc:picChg>
-        <pc:picChg chg="add mod">
-          <ac:chgData name="Servasius Rinta" userId="c2c56e3386c14829" providerId="LiveId" clId="{750DEDA0-A231-4398-9748-26383D14B8AB}" dt="2019-03-25T02:48:28.144" v="5306" actId="1076"/>
+        <pc:picChg chg="add del mod">
+          <ac:chgData name="Servasius Rinta" userId="c2c56e3386c14829" providerId="LiveId" clId="{750DEDA0-A231-4398-9748-26383D14B8AB}" dt="2019-03-28T21:08:27.906" v="6022" actId="478"/>
           <ac:picMkLst>
             <pc:docMk/>
             <pc:sldMk cId="0" sldId="256"/>
@@ -656,7 +768,7 @@
           </ac:picMkLst>
         </pc:picChg>
         <pc:picChg chg="add mod">
-          <ac:chgData name="Servasius Rinta" userId="c2c56e3386c14829" providerId="LiveId" clId="{750DEDA0-A231-4398-9748-26383D14B8AB}" dt="2019-03-24T23:54:45.275" v="4064" actId="14100"/>
+          <ac:chgData name="Servasius Rinta" userId="c2c56e3386c14829" providerId="LiveId" clId="{750DEDA0-A231-4398-9748-26383D14B8AB}" dt="2019-03-28T23:45:03.734" v="8433" actId="1035"/>
           <ac:picMkLst>
             <pc:docMk/>
             <pc:sldMk cId="0" sldId="256"/>
@@ -664,7 +776,7 @@
           </ac:picMkLst>
         </pc:picChg>
         <pc:picChg chg="add mod">
-          <ac:chgData name="Servasius Rinta" userId="c2c56e3386c14829" providerId="LiveId" clId="{750DEDA0-A231-4398-9748-26383D14B8AB}" dt="2019-03-24T23:55:17.619" v="4071" actId="1036"/>
+          <ac:chgData name="Servasius Rinta" userId="c2c56e3386c14829" providerId="LiveId" clId="{750DEDA0-A231-4398-9748-26383D14B8AB}" dt="2019-03-28T23:45:03.734" v="8433" actId="1035"/>
           <ac:picMkLst>
             <pc:docMk/>
             <pc:sldMk cId="0" sldId="256"/>
@@ -680,7 +792,7 @@
           </ac:picMkLst>
         </pc:picChg>
         <pc:picChg chg="add mod">
-          <ac:chgData name="Servasius Rinta" userId="c2c56e3386c14829" providerId="LiveId" clId="{750DEDA0-A231-4398-9748-26383D14B8AB}" dt="2019-03-25T03:01:28.251" v="5737" actId="14100"/>
+          <ac:chgData name="Servasius Rinta" userId="c2c56e3386c14829" providerId="LiveId" clId="{750DEDA0-A231-4398-9748-26383D14B8AB}" dt="2019-03-28T23:48:42.102" v="8481" actId="14100"/>
           <ac:picMkLst>
             <pc:docMk/>
             <pc:sldMk cId="0" sldId="256"/>
@@ -688,7 +800,7 @@
           </ac:picMkLst>
         </pc:picChg>
         <pc:picChg chg="add mod">
-          <ac:chgData name="Servasius Rinta" userId="c2c56e3386c14829" providerId="LiveId" clId="{750DEDA0-A231-4398-9748-26383D14B8AB}" dt="2019-03-25T03:01:34.624" v="5739" actId="1036"/>
+          <ac:chgData name="Servasius Rinta" userId="c2c56e3386c14829" providerId="LiveId" clId="{750DEDA0-A231-4398-9748-26383D14B8AB}" dt="2019-03-28T23:48:37.846" v="8480" actId="14100"/>
           <ac:picMkLst>
             <pc:docMk/>
             <pc:sldMk cId="0" sldId="256"/>
@@ -7117,14 +7229,63 @@
       </p:grpSpPr>
       <p:sp>
         <p:nvSpPr>
+          <p:cNvPr id="11" name="Rectangle 10">
+            <a:extLst>
+              <a:ext uri="{FF2B5EF4-FFF2-40B4-BE49-F238E27FC236}">
+                <a16:creationId xmlns:a16="http://schemas.microsoft.com/office/drawing/2014/main" id="{80194762-0A23-4C70-838D-37A69601187A}"/>
+              </a:ext>
+            </a:extLst>
+          </p:cNvPr>
+          <p:cNvSpPr/>
+          <p:nvPr/>
+        </p:nvSpPr>
+        <p:spPr>
+          <a:xfrm>
+            <a:off x="0" y="0"/>
+            <a:ext cx="43891200" cy="6058418"/>
+          </a:xfrm>
+          <a:prstGeom prst="rect">
+            <a:avLst/>
+          </a:prstGeom>
+          <a:solidFill>
+            <a:schemeClr val="tx1"/>
+          </a:solidFill>
+        </p:spPr>
+        <p:style>
+          <a:lnRef idx="2">
+            <a:schemeClr val="accent1">
+              <a:shade val="50000"/>
+            </a:schemeClr>
+          </a:lnRef>
+          <a:fillRef idx="1">
+            <a:schemeClr val="accent1"/>
+          </a:fillRef>
+          <a:effectRef idx="0">
+            <a:schemeClr val="accent1"/>
+          </a:effectRef>
+          <a:fontRef idx="minor">
+            <a:schemeClr val="lt1"/>
+          </a:fontRef>
+        </p:style>
+        <p:txBody>
+          <a:bodyPr rtlCol="0" anchor="ctr"/>
+          <a:lstStyle/>
+          <a:p>
+            <a:pPr algn="ctr"/>
+            <a:endParaRPr lang="id-ID"/>
+          </a:p>
+        </p:txBody>
+      </p:sp>
+      <p:sp>
+        <p:nvSpPr>
           <p:cNvPr id="65" name="TextShape 1"/>
           <p:cNvSpPr txBox="1"/>
           <p:nvPr/>
         </p:nvSpPr>
         <p:spPr>
           <a:xfrm>
-            <a:off x="1158120" y="685800"/>
-            <a:ext cx="30174840" cy="2971440"/>
+            <a:off x="540112" y="3768451"/>
+            <a:ext cx="35646480" cy="2095499"/>
           </a:xfrm>
           <a:prstGeom prst="rect">
             <a:avLst/>
@@ -7140,7 +7301,7 @@
               </a:lnSpc>
             </a:pPr>
             <a:r>
-              <a:rPr lang="en-US" sz="9600" dirty="0">
+              <a:rPr lang="en-US" sz="13600" dirty="0">
                 <a:solidFill>
                   <a:srgbClr val="FFFFFF"/>
                 </a:solidFill>
@@ -7148,7 +7309,7 @@
               </a:rPr>
               <a:t>A Fuzzy-Bayesian Based Approach for Intelligent Agent Transparency in Human-Autonomy Teaming</a:t>
             </a:r>
-            <a:endParaRPr sz="1600" dirty="0"/>
+            <a:endParaRPr sz="13600" dirty="0"/>
           </a:p>
         </p:txBody>
       </p:sp>
@@ -7160,8 +7321,8 @@
         </p:nvSpPr>
         <p:spPr>
           <a:xfrm>
-            <a:off x="1158120" y="4093920"/>
-            <a:ext cx="30174120" cy="645840"/>
+            <a:off x="19726740" y="5199661"/>
+            <a:ext cx="14340240" cy="644233"/>
           </a:xfrm>
           <a:prstGeom prst="rect">
             <a:avLst/>
@@ -7197,7 +7358,7 @@
         </p:nvSpPr>
         <p:spPr>
           <a:xfrm>
-            <a:off x="1143000" y="5669280"/>
+            <a:off x="1143000" y="6697980"/>
             <a:ext cx="12801240" cy="1279800"/>
           </a:xfrm>
           <a:prstGeom prst="rect">
@@ -7234,7 +7395,7 @@
         </p:nvSpPr>
         <p:spPr>
           <a:xfrm>
-            <a:off x="1143000" y="5176440"/>
+            <a:off x="1143000" y="6205140"/>
             <a:ext cx="12801240" cy="8357018"/>
           </a:xfrm>
           <a:prstGeom prst="rect">
@@ -7301,7 +7462,7 @@
         </p:nvSpPr>
         <p:spPr>
           <a:xfrm>
-            <a:off x="1189080" y="21884407"/>
+            <a:off x="1189080" y="22913107"/>
             <a:ext cx="12801240" cy="1987127"/>
           </a:xfrm>
           <a:prstGeom prst="rect">
@@ -7337,7 +7498,7 @@
         </p:nvSpPr>
         <p:spPr>
           <a:xfrm>
-            <a:off x="808710" y="13533818"/>
+            <a:off x="808710" y="14562518"/>
             <a:ext cx="12801240" cy="1218960"/>
           </a:xfrm>
           <a:prstGeom prst="rect">
@@ -7371,7 +7532,7 @@
         </p:nvSpPr>
         <p:spPr>
           <a:xfrm>
-            <a:off x="1138672" y="14292000"/>
+            <a:off x="1138672" y="15320700"/>
             <a:ext cx="12801240" cy="3322440"/>
           </a:xfrm>
           <a:prstGeom prst="rect">
@@ -7407,7 +7568,7 @@
         </p:nvSpPr>
         <p:spPr>
           <a:xfrm>
-            <a:off x="1146960" y="25683840"/>
+            <a:off x="1146960" y="26712540"/>
             <a:ext cx="3970928" cy="1559880"/>
           </a:xfrm>
           <a:prstGeom prst="rect">
@@ -7453,7 +7614,7 @@
         </p:nvSpPr>
         <p:spPr>
           <a:xfrm>
-            <a:off x="1146960" y="27244079"/>
+            <a:off x="1146960" y="28272779"/>
             <a:ext cx="3970928" cy="3463413"/>
           </a:xfrm>
           <a:prstGeom prst="rect">
@@ -7485,7 +7646,7 @@
                 </a:solidFill>
                 <a:latin typeface="Arial"/>
               </a:rPr>
-              <a:t>Real-driving-based data have been simulated to observe agent’s behavior. </a:t>
+              <a:t>Real-driving-based data is collected using set of sensors as example of environment states to feed agent’s SADP model</a:t>
             </a:r>
             <a:endParaRPr lang="en-US" dirty="0"/>
           </a:p>
@@ -7499,7 +7660,7 @@
         </p:nvSpPr>
         <p:spPr>
           <a:xfrm>
-            <a:off x="5326980" y="25683840"/>
+            <a:off x="5326980" y="26712540"/>
             <a:ext cx="3970928" cy="1559880"/>
           </a:xfrm>
           <a:prstGeom prst="rect">
@@ -7545,7 +7706,7 @@
         </p:nvSpPr>
         <p:spPr>
           <a:xfrm>
-            <a:off x="5326980" y="27244080"/>
+            <a:off x="5326980" y="28272780"/>
             <a:ext cx="3970928" cy="3463414"/>
           </a:xfrm>
           <a:prstGeom prst="rect">
@@ -7577,7 +7738,7 @@
                 </a:solidFill>
                 <a:latin typeface="Arial"/>
               </a:rPr>
-              <a:t>Curve road and traffic light (TL) situations are selected as cases on agent’s behavior  observation</a:t>
+              <a:t>Curve road and traffic light (TL) situations are selected as cases for SADP model</a:t>
             </a:r>
             <a:endParaRPr dirty="0"/>
           </a:p>
@@ -7591,7 +7752,7 @@
         </p:nvSpPr>
         <p:spPr>
           <a:xfrm>
-            <a:off x="9506640" y="25683840"/>
+            <a:off x="9506640" y="26712540"/>
             <a:ext cx="4609410" cy="1559880"/>
           </a:xfrm>
           <a:prstGeom prst="rect">
@@ -7637,7 +7798,7 @@
         </p:nvSpPr>
         <p:spPr>
           <a:xfrm>
-            <a:off x="9506640" y="27244080"/>
+            <a:off x="9506640" y="28272780"/>
             <a:ext cx="4609410" cy="3463414"/>
           </a:xfrm>
           <a:prstGeom prst="rect">
@@ -7701,7 +7862,7 @@
         </p:nvSpPr>
         <p:spPr>
           <a:xfrm>
-            <a:off x="15544800" y="5669280"/>
+            <a:off x="15544800" y="6697980"/>
             <a:ext cx="12801240" cy="1218960"/>
           </a:xfrm>
           <a:prstGeom prst="rect">
@@ -7738,7 +7899,7 @@
         </p:nvSpPr>
         <p:spPr>
           <a:xfrm>
-            <a:off x="20465920" y="12185233"/>
+            <a:off x="20046820" y="13213933"/>
             <a:ext cx="7880120" cy="1218960"/>
           </a:xfrm>
           <a:prstGeom prst="rect">
@@ -7772,7 +7933,7 @@
         </p:nvSpPr>
         <p:spPr>
           <a:xfrm>
-            <a:off x="15498360" y="6888600"/>
+            <a:off x="15498360" y="7917300"/>
             <a:ext cx="0" cy="5036760"/>
           </a:xfrm>
           <a:prstGeom prst="line">
@@ -7794,7 +7955,7 @@
         </p:nvSpPr>
         <p:spPr>
           <a:xfrm>
-            <a:off x="15638400" y="9323280"/>
+            <a:off x="15638400" y="10351980"/>
             <a:ext cx="2648520" cy="2601720"/>
           </a:xfrm>
           <a:prstGeom prst="rect">
@@ -7835,7 +7996,7 @@
         </p:nvSpPr>
         <p:spPr>
           <a:xfrm>
-            <a:off x="15498720" y="6329160"/>
+            <a:off x="15498720" y="7357860"/>
             <a:ext cx="2797560" cy="559080"/>
           </a:xfrm>
           <a:prstGeom prst="rect">
@@ -7881,7 +8042,7 @@
         </p:nvSpPr>
         <p:spPr>
           <a:xfrm>
-            <a:off x="18831600" y="6888600"/>
+            <a:off x="18831600" y="7917300"/>
             <a:ext cx="0" cy="5036760"/>
           </a:xfrm>
           <a:prstGeom prst="line">
@@ -7903,7 +8064,7 @@
         </p:nvSpPr>
         <p:spPr>
           <a:xfrm>
-            <a:off x="18971640" y="9323280"/>
+            <a:off x="18971640" y="10351980"/>
             <a:ext cx="2648520" cy="2601720"/>
           </a:xfrm>
           <a:prstGeom prst="rect">
@@ -7944,7 +8105,7 @@
         </p:nvSpPr>
         <p:spPr>
           <a:xfrm>
-            <a:off x="18831600" y="6329160"/>
+            <a:off x="18831600" y="7357860"/>
             <a:ext cx="2797560" cy="559080"/>
           </a:xfrm>
           <a:prstGeom prst="rect">
@@ -7990,7 +8151,7 @@
         </p:nvSpPr>
         <p:spPr>
           <a:xfrm>
-            <a:off x="22164840" y="6888600"/>
+            <a:off x="22164840" y="7917300"/>
             <a:ext cx="0" cy="5036760"/>
           </a:xfrm>
           <a:prstGeom prst="line">
@@ -8012,7 +8173,7 @@
         </p:nvSpPr>
         <p:spPr>
           <a:xfrm>
-            <a:off x="22182712" y="9323280"/>
+            <a:off x="22182712" y="10351980"/>
             <a:ext cx="2648520" cy="2601720"/>
           </a:xfrm>
           <a:prstGeom prst="rect">
@@ -8060,7 +8221,7 @@
         </p:nvSpPr>
         <p:spPr>
           <a:xfrm>
-            <a:off x="22164840" y="6329160"/>
+            <a:off x="22164840" y="7357860"/>
             <a:ext cx="2797560" cy="559080"/>
           </a:xfrm>
           <a:prstGeom prst="rect">
@@ -8106,7 +8267,7 @@
         </p:nvSpPr>
         <p:spPr>
           <a:xfrm>
-            <a:off x="25497720" y="6888600"/>
+            <a:off x="25497720" y="7917300"/>
             <a:ext cx="0" cy="5036760"/>
           </a:xfrm>
           <a:prstGeom prst="line">
@@ -8128,7 +8289,7 @@
         </p:nvSpPr>
         <p:spPr>
           <a:xfrm>
-            <a:off x="25638119" y="9323280"/>
+            <a:off x="25638119" y="10351980"/>
             <a:ext cx="2788917" cy="2601720"/>
           </a:xfrm>
           <a:prstGeom prst="rect">
@@ -8169,7 +8330,7 @@
         </p:nvSpPr>
         <p:spPr>
           <a:xfrm>
-            <a:off x="25498080" y="6329160"/>
+            <a:off x="25498080" y="7357860"/>
             <a:ext cx="2797560" cy="559080"/>
           </a:xfrm>
           <a:prstGeom prst="rect">
@@ -8215,7 +8376,7 @@
         </p:nvSpPr>
         <p:spPr>
           <a:xfrm>
-            <a:off x="15544800" y="22887360"/>
+            <a:off x="15544800" y="23916060"/>
             <a:ext cx="12801240" cy="1218960"/>
           </a:xfrm>
           <a:prstGeom prst="rect">
@@ -8244,8 +8405,8 @@
           </a:p>
         </p:txBody>
       </p:sp>
-      <mc:AlternateContent xmlns:mc="http://schemas.openxmlformats.org/markup-compatibility/2006">
-        <mc:Choice xmlns:a14="http://schemas.microsoft.com/office/drawing/2010/main" Requires="a14">
+      <mc:AlternateContent xmlns:mc="http://schemas.openxmlformats.org/markup-compatibility/2006" xmlns:a14="http://schemas.microsoft.com/office/drawing/2010/main">
+        <mc:Choice Requires="a14">
           <p:sp>
             <p:nvSpPr>
               <p:cNvPr id="103" name="TextShape 38"/>
@@ -8254,7 +8415,7 @@
             </p:nvSpPr>
             <p:spPr>
               <a:xfrm>
-                <a:off x="30186961" y="6159783"/>
+                <a:off x="30186961" y="7036083"/>
                 <a:ext cx="12801240" cy="1496457"/>
               </a:xfrm>
               <a:prstGeom prst="rect">
@@ -8277,7 +8438,7 @@
                     </a:solidFill>
                     <a:latin typeface="Arial"/>
                   </a:rPr>
-                  <a:t>Removing </a:t>
+                  <a:t>Selecting intended states from </a:t>
                 </a:r>
                 <a:r>
                   <a:rPr lang="en-AU" sz="3200" dirty="0">
@@ -8285,7 +8446,24 @@
                       <a:srgbClr val="000000"/>
                     </a:solidFill>
                   </a:rPr>
-                  <a:t>unnecessary states from TLI, CIM, LVI, TVR, OLR and CR. </a:t>
+                  <a:t>TLI, CIM, LVI, TVR, OLR and CR  nodes </a:t>
+                </a:r>
+                <a:r>
+                  <a:rPr lang="en-AU" sz="3200" dirty="0">
+                    <a:solidFill>
+                      <a:srgbClr val="000000"/>
+                    </a:solidFill>
+                    <a:latin typeface="Arial"/>
+                  </a:rPr>
+                  <a:t>and solving ambiguities using Fuzzy Relation when such states </a:t>
+                </a:r>
+                <a:r>
+                  <a:rPr lang="en-AU" sz="3200" dirty="0">
+                    <a:solidFill>
+                      <a:srgbClr val="000000"/>
+                    </a:solidFill>
+                  </a:rPr>
+                  <a:t>has same marginal probability distribution. </a:t>
                 </a:r>
                 <a14:m>
                   <m:oMath xmlns:m="http://schemas.openxmlformats.org/officeDocument/2006/math">
@@ -8328,14 +8506,14 @@
                       <a:srgbClr val="000000"/>
                     </a:solidFill>
                   </a:rPr>
-                  <a:t>is set of selected states of an indicator nodes</a:t>
+                  <a:t>is set of selected states of an indicator node as the result of fuzzy relation operation. </a:t>
                 </a:r>
                 <a:endParaRPr dirty="0"/>
               </a:p>
             </p:txBody>
           </p:sp>
         </mc:Choice>
-        <mc:Fallback>
+        <mc:Fallback xmlns="">
           <p:sp>
             <p:nvSpPr>
               <p:cNvPr id="103" name="TextShape 38"/>
@@ -8346,7 +8524,7 @@
             </p:nvSpPr>
             <p:spPr>
               <a:xfrm>
-                <a:off x="30186961" y="6159783"/>
+                <a:off x="30186961" y="7036083"/>
                 <a:ext cx="12801240" cy="1496457"/>
               </a:xfrm>
               <a:prstGeom prst="rect">
@@ -8355,7 +8533,7 @@
               <a:blipFill>
                 <a:blip r:embed="rId2"/>
                 <a:stretch>
-                  <a:fillRect l="-1238" r="-1286"/>
+                  <a:fillRect l="-1238" r="-1619" b="-58943"/>
                 </a:stretch>
               </a:blipFill>
             </p:spPr>
@@ -8382,7 +8560,7 @@
         </p:nvSpPr>
         <p:spPr>
           <a:xfrm>
-            <a:off x="29900880" y="19767600"/>
+            <a:off x="29900880" y="20796300"/>
             <a:ext cx="12801240" cy="1218960"/>
           </a:xfrm>
           <a:prstGeom prst="rect">
@@ -8419,8 +8597,8 @@
         </p:nvSpPr>
         <p:spPr>
           <a:xfrm>
-            <a:off x="30385081" y="10218754"/>
-            <a:ext cx="12801240" cy="2143020"/>
+            <a:off x="30381990" y="13826928"/>
+            <a:ext cx="9033090" cy="2475099"/>
           </a:xfrm>
           <a:prstGeom prst="rect">
             <a:avLst/>
@@ -8506,8 +8684,8 @@
         </p:nvSpPr>
         <p:spPr>
           <a:xfrm>
-            <a:off x="29847060" y="25877093"/>
-            <a:ext cx="12801240" cy="5147156"/>
+            <a:off x="29847060" y="30195277"/>
+            <a:ext cx="12801240" cy="2276772"/>
           </a:xfrm>
           <a:prstGeom prst="rect">
             <a:avLst/>
@@ -8546,117 +8724,6 @@
                 </a:solidFill>
               </a:rPr>
               <a:t>Lucas, P.J.F. 2001, 'Bayesian model-based diagnosis', International Journal of Approximate Reasoning, vol. 27, no. 2, pp. 99-119</a:t>
-            </a:r>
-          </a:p>
-          <a:p>
-            <a:pPr marL="457200" indent="-457200">
-              <a:lnSpc>
-                <a:spcPct val="100000"/>
-              </a:lnSpc>
-              <a:buFont typeface="Arial" panose="020B0604020202020204" pitchFamily="34" charset="0"/>
-              <a:buChar char="•"/>
-            </a:pPr>
-            <a:r>
-              <a:rPr lang="en-US" sz="3200" dirty="0">
-                <a:solidFill>
-                  <a:srgbClr val="000000"/>
-                </a:solidFill>
-              </a:rPr>
-              <a:t>Mercado, J.E., Rupp, M.A., Chen, J.Y., Barnes, M.J., Barber, D. &amp; </a:t>
-            </a:r>
-            <a:r>
-              <a:rPr lang="en-US" sz="3200" dirty="0" err="1">
-                <a:solidFill>
-                  <a:srgbClr val="000000"/>
-                </a:solidFill>
-              </a:rPr>
-              <a:t>Procci</a:t>
-            </a:r>
-            <a:r>
-              <a:rPr lang="en-US" sz="3200" dirty="0">
-                <a:solidFill>
-                  <a:srgbClr val="000000"/>
-                </a:solidFill>
-              </a:rPr>
-              <a:t>, K. 2016, 'Intelligent agent transparency in human–agent teaming for Multi-</a:t>
-            </a:r>
-            <a:r>
-              <a:rPr lang="en-US" sz="3200" dirty="0" err="1">
-                <a:solidFill>
-                  <a:srgbClr val="000000"/>
-                </a:solidFill>
-              </a:rPr>
-              <a:t>UxV</a:t>
-            </a:r>
-            <a:r>
-              <a:rPr lang="en-US" sz="3200" dirty="0">
-                <a:solidFill>
-                  <a:srgbClr val="000000"/>
-                </a:solidFill>
-              </a:rPr>
-              <a:t> management', Human factors, vol. 58, no. 3, pp. 401-15</a:t>
-            </a:r>
-          </a:p>
-          <a:p>
-            <a:pPr marL="457200" indent="-457200">
-              <a:lnSpc>
-                <a:spcPct val="100000"/>
-              </a:lnSpc>
-              <a:buFont typeface="Arial" panose="020B0604020202020204" pitchFamily="34" charset="0"/>
-              <a:buChar char="•"/>
-            </a:pPr>
-            <a:r>
-              <a:rPr lang="en-US" sz="3200" dirty="0">
-                <a:solidFill>
-                  <a:srgbClr val="000000"/>
-                </a:solidFill>
-              </a:rPr>
-              <a:t>Wortham, R.H., </a:t>
-            </a:r>
-            <a:r>
-              <a:rPr lang="en-US" sz="3200" dirty="0" err="1">
-                <a:solidFill>
-                  <a:srgbClr val="000000"/>
-                </a:solidFill>
-              </a:rPr>
-              <a:t>Theodorou</a:t>
-            </a:r>
-            <a:r>
-              <a:rPr lang="en-US" sz="3200" dirty="0">
-                <a:solidFill>
-                  <a:srgbClr val="000000"/>
-                </a:solidFill>
-              </a:rPr>
-              <a:t>, A. &amp; Bryson, J.J. 2016, 'What does the robot think? Transparency as a fundamental design requirement for intelligent systems'</a:t>
-            </a:r>
-          </a:p>
-          <a:p>
-            <a:pPr marL="457200" indent="-457200">
-              <a:lnSpc>
-                <a:spcPct val="100000"/>
-              </a:lnSpc>
-              <a:buFont typeface="Arial" panose="020B0604020202020204" pitchFamily="34" charset="0"/>
-              <a:buChar char="•"/>
-            </a:pPr>
-            <a:endParaRPr lang="en-US" sz="3200" dirty="0">
-              <a:solidFill>
-                <a:srgbClr val="000000"/>
-              </a:solidFill>
-            </a:endParaRPr>
-          </a:p>
-          <a:p>
-            <a:pPr>
-              <a:lnSpc>
-                <a:spcPct val="100000"/>
-              </a:lnSpc>
-            </a:pPr>
-            <a:r>
-              <a:rPr lang="en-US" sz="3200" dirty="0">
-                <a:solidFill>
-                  <a:srgbClr val="000000"/>
-                </a:solidFill>
-              </a:rPr>
-              <a:t>.</a:t>
             </a:r>
             <a:endParaRPr lang="en-US" sz="3200" dirty="0">
               <a:solidFill>
@@ -8695,7 +8762,7 @@
         </p:blipFill>
         <p:spPr>
           <a:xfrm>
-            <a:off x="1321040" y="17832814"/>
+            <a:off x="1321040" y="18861514"/>
             <a:ext cx="12864715" cy="4034165"/>
           </a:xfrm>
           <a:prstGeom prst="rect">
@@ -8717,7 +8784,7 @@
         </p:nvSpPr>
         <p:spPr>
           <a:xfrm>
-            <a:off x="15219540" y="5074125"/>
+            <a:off x="15219540" y="6102825"/>
             <a:ext cx="12801240" cy="1218960"/>
           </a:xfrm>
           <a:prstGeom prst="rect">
@@ -8765,7 +8832,7 @@
         </p:blipFill>
         <p:spPr>
           <a:xfrm>
-            <a:off x="18971640" y="7166540"/>
+            <a:off x="18971640" y="8195240"/>
             <a:ext cx="2657520" cy="2156380"/>
           </a:xfrm>
           <a:prstGeom prst="rect">
@@ -8802,7 +8869,7 @@
         </p:blipFill>
         <p:spPr bwMode="auto">
           <a:xfrm>
-            <a:off x="25575260" y="7070774"/>
+            <a:off x="25575260" y="8099474"/>
             <a:ext cx="2762250" cy="2220826"/>
           </a:xfrm>
           <a:prstGeom prst="rect">
@@ -8849,7 +8916,7 @@
         </p:blipFill>
         <p:spPr bwMode="auto">
           <a:xfrm>
-            <a:off x="15599487" y="7143097"/>
+            <a:off x="15599487" y="8171797"/>
             <a:ext cx="2648520" cy="2209320"/>
           </a:xfrm>
           <a:prstGeom prst="rect">
@@ -8889,7 +8956,7 @@
         </p:blipFill>
         <p:spPr>
           <a:xfrm>
-            <a:off x="22516035" y="7143097"/>
+            <a:off x="22516035" y="8171797"/>
             <a:ext cx="2352012" cy="2148503"/>
           </a:xfrm>
           <a:prstGeom prst="rect">
@@ -8923,7 +8990,7 @@
         </p:blipFill>
         <p:spPr>
           <a:xfrm>
-            <a:off x="15030168" y="19305019"/>
+            <a:off x="15030168" y="20829019"/>
             <a:ext cx="13851512" cy="9573875"/>
           </a:xfrm>
           <a:prstGeom prst="rect">
@@ -8957,7 +9024,7 @@
         </p:blipFill>
         <p:spPr>
           <a:xfrm>
-            <a:off x="15516130" y="12504626"/>
+            <a:off x="15516130" y="13533326"/>
             <a:ext cx="4949790" cy="2667747"/>
           </a:xfrm>
           <a:prstGeom prst="rect">
@@ -8965,8 +9032,8 @@
           </a:prstGeom>
         </p:spPr>
       </p:pic>
-      <mc:AlternateContent xmlns:mc="http://schemas.openxmlformats.org/markup-compatibility/2006">
-        <mc:Choice xmlns:a14="http://schemas.microsoft.com/office/drawing/2010/main" Requires="a14">
+      <mc:AlternateContent xmlns:mc="http://schemas.openxmlformats.org/markup-compatibility/2006" xmlns:a14="http://schemas.microsoft.com/office/drawing/2010/main">
+        <mc:Choice Requires="a14">
           <p:sp>
             <p:nvSpPr>
               <p:cNvPr id="6" name="TextBox 5">
@@ -8981,8 +9048,8 @@
             </p:nvSpPr>
             <p:spPr>
               <a:xfrm>
-                <a:off x="20741590" y="13272556"/>
-                <a:ext cx="6704261" cy="3970318"/>
+                <a:off x="20349353" y="15916515"/>
+                <a:ext cx="8713728" cy="3108543"/>
               </a:xfrm>
               <a:prstGeom prst="rect">
                 <a:avLst/>
@@ -9004,24 +9071,34 @@
                     <m:d>
                       <m:dPr>
                         <m:ctrlPr>
-                          <a:rPr lang="id-ID" sz="2800" i="1"/>
+                          <a:rPr lang="id-ID" sz="2800" i="1">
+                            <a:latin typeface="Cambria Math" panose="02040503050406030204" pitchFamily="18" charset="0"/>
+                          </a:rPr>
                         </m:ctrlPr>
                       </m:dPr>
                       <m:e>
                         <m:r>
-                          <a:rPr lang="en-US" sz="2800" i="1"/>
+                          <a:rPr lang="en-US" sz="2800" i="1">
+                            <a:latin typeface="Cambria Math" panose="02040503050406030204" pitchFamily="18" charset="0"/>
+                          </a:rPr>
                           <m:t>Ω,</m:t>
                         </m:r>
                         <m:r>
-                          <a:rPr lang="en-US" sz="2800" i="1"/>
+                          <a:rPr lang="en-US" sz="2800" i="1">
+                            <a:latin typeface="Cambria Math" panose="02040503050406030204" pitchFamily="18" charset="0"/>
+                          </a:rPr>
                           <m:t>𝐹</m:t>
                         </m:r>
                         <m:r>
-                          <a:rPr lang="en-US" sz="2800" i="1"/>
+                          <a:rPr lang="en-US" sz="2800" i="1">
+                            <a:latin typeface="Cambria Math" panose="02040503050406030204" pitchFamily="18" charset="0"/>
+                          </a:rPr>
                           <m:t>,</m:t>
                         </m:r>
                         <m:r>
-                          <a:rPr lang="en-US" sz="2800" i="1"/>
+                          <a:rPr lang="en-US" sz="2800" i="1">
+                            <a:latin typeface="Cambria Math" panose="02040503050406030204" pitchFamily="18" charset="0"/>
+                          </a:rPr>
                           <m:t>𝑃</m:t>
                         </m:r>
                       </m:e>
@@ -9035,18 +9112,24 @@
                 <a14:m>
                   <m:oMath xmlns:m="http://schemas.openxmlformats.org/officeDocument/2006/math">
                     <m:r>
-                      <a:rPr lang="en-US" sz="2800" i="1"/>
+                      <a:rPr lang="en-US" sz="2800" i="1">
+                        <a:latin typeface="Cambria Math" panose="02040503050406030204" pitchFamily="18" charset="0"/>
+                      </a:rPr>
                       <m:t>𝐹</m:t>
                     </m:r>
                     <m:d>
                       <m:dPr>
                         <m:ctrlPr>
-                          <a:rPr lang="id-ID" sz="2800" i="1"/>
+                          <a:rPr lang="id-ID" sz="2800" i="1">
+                            <a:latin typeface="Cambria Math" panose="02040503050406030204" pitchFamily="18" charset="0"/>
+                          </a:rPr>
                         </m:ctrlPr>
                       </m:dPr>
                       <m:e>
                         <m:r>
-                          <a:rPr lang="en-US" sz="2800" i="1"/>
+                          <a:rPr lang="en-US" sz="2800" i="1">
+                            <a:latin typeface="Cambria Math" panose="02040503050406030204" pitchFamily="18" charset="0"/>
+                          </a:rPr>
                           <m:t>ℝ</m:t>
                         </m:r>
                       </m:e>
@@ -9060,11 +9143,15 @@
                 <a14:m>
                   <m:oMath xmlns:m="http://schemas.openxmlformats.org/officeDocument/2006/math">
                     <m:r>
-                      <a:rPr lang="en-US" sz="2800" i="1"/>
+                      <a:rPr lang="en-US" sz="2800" i="1">
+                        <a:latin typeface="Cambria Math" panose="02040503050406030204" pitchFamily="18" charset="0"/>
+                      </a:rPr>
                       <m:t>𝐹</m:t>
                     </m:r>
                     <m:r>
-                      <a:rPr lang="en-US" sz="2800" i="1"/>
+                      <a:rPr lang="en-US" sz="2800" i="1">
+                        <a:latin typeface="Cambria Math" panose="02040503050406030204" pitchFamily="18" charset="0"/>
+                      </a:rPr>
                       <m:t>:Ω</m:t>
                     </m:r>
                   </m:oMath>
@@ -9076,18 +9163,24 @@
                 <a14:m>
                   <m:oMath xmlns:m="http://schemas.openxmlformats.org/officeDocument/2006/math">
                     <m:r>
-                      <a:rPr lang="en-US" sz="2800" i="1"/>
+                      <a:rPr lang="en-US" sz="2800" i="1">
+                        <a:latin typeface="Cambria Math" panose="02040503050406030204" pitchFamily="18" charset="0"/>
+                      </a:rPr>
                       <m:t>𝐹</m:t>
                     </m:r>
                     <m:d>
                       <m:dPr>
                         <m:ctrlPr>
-                          <a:rPr lang="id-ID" sz="2800" i="1"/>
+                          <a:rPr lang="id-ID" sz="2800" i="1">
+                            <a:latin typeface="Cambria Math" panose="02040503050406030204" pitchFamily="18" charset="0"/>
+                          </a:rPr>
                         </m:ctrlPr>
                       </m:dPr>
                       <m:e>
                         <m:r>
-                          <a:rPr lang="en-US" sz="2800" i="1"/>
+                          <a:rPr lang="en-US" sz="2800" i="1">
+                            <a:latin typeface="Cambria Math" panose="02040503050406030204" pitchFamily="18" charset="0"/>
+                          </a:rPr>
                           <m:t>ℝ</m:t>
                         </m:r>
                       </m:e>
@@ -9101,11 +9194,15 @@
                 <a14:m>
                   <m:oMath xmlns:m="http://schemas.openxmlformats.org/officeDocument/2006/math">
                     <m:r>
-                      <a:rPr lang="en-US" sz="2800" i="1"/>
+                      <a:rPr lang="en-US" sz="2800" i="1">
+                        <a:latin typeface="Cambria Math" panose="02040503050406030204" pitchFamily="18" charset="0"/>
+                      </a:rPr>
                       <m:t>𝑤</m:t>
                     </m:r>
                     <m:r>
-                      <a:rPr lang="en-US" sz="2800" i="1"/>
+                      <a:rPr lang="en-US" sz="2800" i="1">
+                        <a:latin typeface="Cambria Math" panose="02040503050406030204" pitchFamily="18" charset="0"/>
+                      </a:rPr>
                       <m:t>∈Ω</m:t>
                     </m:r>
                   </m:oMath>
@@ -9117,22 +9214,30 @@
                 <a14:m>
                   <m:oMath xmlns:m="http://schemas.openxmlformats.org/officeDocument/2006/math">
                     <m:r>
-                      <a:rPr lang="en-US" sz="2800" i="1"/>
+                      <a:rPr lang="en-US" sz="2800" i="1">
+                        <a:latin typeface="Cambria Math" panose="02040503050406030204" pitchFamily="18" charset="0"/>
+                      </a:rPr>
                       <m:t>𝑀</m:t>
                     </m:r>
                     <m:r>
-                      <a:rPr lang="en-US" sz="2800" i="1"/>
+                      <a:rPr lang="en-US" sz="2800" i="1">
+                        <a:latin typeface="Cambria Math" panose="02040503050406030204" pitchFamily="18" charset="0"/>
+                      </a:rPr>
                       <m:t>𝛼</m:t>
                     </m:r>
                     <m:d>
                       <m:dPr>
                         <m:ctrlPr>
-                          <a:rPr lang="id-ID" sz="2800" i="1"/>
+                          <a:rPr lang="id-ID" sz="2800" i="1">
+                            <a:latin typeface="Cambria Math" panose="02040503050406030204" pitchFamily="18" charset="0"/>
+                          </a:rPr>
                         </m:ctrlPr>
                       </m:dPr>
                       <m:e>
                         <m:r>
-                          <a:rPr lang="en-US" sz="2800" i="1"/>
+                          <a:rPr lang="en-US" sz="2800" i="1">
+                            <a:latin typeface="Cambria Math" panose="02040503050406030204" pitchFamily="18" charset="0"/>
+                          </a:rPr>
                           <m:t>𝑤</m:t>
                         </m:r>
                       </m:e>
@@ -9154,22 +9259,30 @@
                 <a14:m>
                   <m:oMath xmlns:m="http://schemas.openxmlformats.org/officeDocument/2006/math">
                     <m:r>
-                      <a:rPr lang="en-US" sz="2800" i="1"/>
+                      <a:rPr lang="en-US" sz="2800" i="1">
+                        <a:latin typeface="Cambria Math" panose="02040503050406030204" pitchFamily="18" charset="0"/>
+                      </a:rPr>
                       <m:t>𝑀</m:t>
                     </m:r>
                     <m:r>
-                      <a:rPr lang="en-US" sz="2800" i="1"/>
+                      <a:rPr lang="en-US" sz="2800" i="1">
+                        <a:latin typeface="Cambria Math" panose="02040503050406030204" pitchFamily="18" charset="0"/>
+                      </a:rPr>
                       <m:t>𝛼</m:t>
                     </m:r>
                     <m:d>
                       <m:dPr>
                         <m:ctrlPr>
-                          <a:rPr lang="id-ID" sz="2800" i="1"/>
+                          <a:rPr lang="id-ID" sz="2800" i="1">
+                            <a:latin typeface="Cambria Math" panose="02040503050406030204" pitchFamily="18" charset="0"/>
+                          </a:rPr>
                         </m:ctrlPr>
                       </m:dPr>
                       <m:e>
                         <m:r>
-                          <a:rPr lang="en-US" sz="2800" i="1"/>
+                          <a:rPr lang="en-US" sz="2800" i="1">
+                            <a:latin typeface="Cambria Math" panose="02040503050406030204" pitchFamily="18" charset="0"/>
+                          </a:rPr>
                           <m:t>𝑤</m:t>
                         </m:r>
                       </m:e>
@@ -9181,7 +9294,7 @@
             </p:txBody>
           </p:sp>
         </mc:Choice>
-        <mc:Fallback>
+        <mc:Fallback xmlns="">
           <p:sp>
             <p:nvSpPr>
               <p:cNvPr id="6" name="TextBox 5">
@@ -9198,8 +9311,8 @@
             </p:nvSpPr>
             <p:spPr>
               <a:xfrm>
-                <a:off x="20741590" y="13272556"/>
-                <a:ext cx="6704261" cy="3970318"/>
+                <a:off x="20349353" y="15916515"/>
+                <a:ext cx="8713728" cy="3108543"/>
               </a:xfrm>
               <a:prstGeom prst="rect">
                 <a:avLst/>
@@ -9207,7 +9320,7 @@
               <a:blipFill>
                 <a:blip r:embed="rId10"/>
                 <a:stretch>
-                  <a:fillRect l="-1818" t="-1534" r="-2545" b="-3221"/>
+                  <a:fillRect l="-1399" t="-2157" r="-2028" b="-4510"/>
                 </a:stretch>
               </a:blipFill>
             </p:spPr>
@@ -9252,7 +9365,7 @@
         </p:blipFill>
         <p:spPr>
           <a:xfrm>
-            <a:off x="15721129" y="14968803"/>
+            <a:off x="15721129" y="15997503"/>
             <a:ext cx="4744791" cy="2667000"/>
           </a:xfrm>
           <a:prstGeom prst="rect">
@@ -9260,8 +9373,8 @@
           </a:prstGeom>
         </p:spPr>
       </p:pic>
-      <mc:AlternateContent xmlns:mc="http://schemas.openxmlformats.org/markup-compatibility/2006">
-        <mc:Choice xmlns:a14="http://schemas.microsoft.com/office/drawing/2010/main" Requires="a14">
+      <mc:AlternateContent xmlns:mc="http://schemas.openxmlformats.org/markup-compatibility/2006" xmlns:a14="http://schemas.microsoft.com/office/drawing/2010/main">
+        <mc:Choice Requires="a14">
           <p:sp>
             <p:nvSpPr>
               <p:cNvPr id="7" name="TextBox 6">
@@ -9276,8 +9389,8 @@
             </p:nvSpPr>
             <p:spPr>
               <a:xfrm>
-                <a:off x="20741590" y="17218038"/>
-                <a:ext cx="7509019" cy="1440459"/>
+                <a:off x="16924560" y="19726593"/>
+                <a:ext cx="12763433" cy="1009572"/>
               </a:xfrm>
               <a:prstGeom prst="rect">
                 <a:avLst/>
@@ -9299,36 +9412,48 @@
                     <m:d>
                       <m:dPr>
                         <m:ctrlPr>
-                          <a:rPr lang="id-ID" sz="2800" i="1"/>
+                          <a:rPr lang="id-ID" sz="2800" i="1">
+                            <a:latin typeface="Cambria Math" panose="02040503050406030204" pitchFamily="18" charset="0"/>
+                          </a:rPr>
                         </m:ctrlPr>
                       </m:dPr>
                       <m:e>
                         <m:r>
-                          <a:rPr lang="en-US" sz="2800" i="1"/>
+                          <a:rPr lang="en-US" sz="2800" i="1">
+                            <a:latin typeface="Cambria Math" panose="02040503050406030204" pitchFamily="18" charset="0"/>
+                          </a:rPr>
                           <m:t>𝑃</m:t>
                         </m:r>
                         <m:d>
                           <m:dPr>
                             <m:ctrlPr>
-                              <a:rPr lang="id-ID" sz="2800" i="1"/>
+                              <a:rPr lang="id-ID" sz="2800" i="1">
+                                <a:latin typeface="Cambria Math" panose="02040503050406030204" pitchFamily="18" charset="0"/>
+                              </a:rPr>
                             </m:ctrlPr>
                           </m:dPr>
                           <m:e>
                             <m:sSub>
                               <m:sSubPr>
                                 <m:ctrlPr>
-                                  <a:rPr lang="id-ID" sz="2800" i="1"/>
+                                  <a:rPr lang="id-ID" sz="2800" i="1">
+                                    <a:latin typeface="Cambria Math" panose="02040503050406030204" pitchFamily="18" charset="0"/>
+                                  </a:rPr>
                                 </m:ctrlPr>
                               </m:sSubPr>
                               <m:e>
                                 <m:r>
-                                  <a:rPr lang="en-US" sz="2800" i="1"/>
+                                  <a:rPr lang="en-US" sz="2800" i="1">
+                                    <a:latin typeface="Cambria Math" panose="02040503050406030204" pitchFamily="18" charset="0"/>
+                                  </a:rPr>
                                   <m:t>𝑋</m:t>
                                 </m:r>
                               </m:e>
                               <m:sub>
                                 <m:r>
-                                  <a:rPr lang="en-US" sz="2800" i="1"/>
+                                  <a:rPr lang="en-US" sz="2800" i="1">
+                                    <a:latin typeface="Cambria Math" panose="02040503050406030204" pitchFamily="18" charset="0"/>
+                                  </a:rPr>
                                   <m:t>𝑖</m:t>
                                 </m:r>
                               </m:sub>
@@ -9336,31 +9461,41 @@
                           </m:e>
                           <m:e>
                             <m:r>
-                              <a:rPr lang="en-US" sz="2800" i="1"/>
+                              <a:rPr lang="en-US" sz="2800" i="1">
+                                <a:latin typeface="Cambria Math" panose="02040503050406030204" pitchFamily="18" charset="0"/>
+                              </a:rPr>
                               <m:t>𝑃𝑎</m:t>
                             </m:r>
                             <m:d>
                               <m:dPr>
                                 <m:ctrlPr>
-                                  <a:rPr lang="id-ID" sz="2800" i="1"/>
+                                  <a:rPr lang="id-ID" sz="2800" i="1">
+                                    <a:latin typeface="Cambria Math" panose="02040503050406030204" pitchFamily="18" charset="0"/>
+                                  </a:rPr>
                                 </m:ctrlPr>
                               </m:dPr>
                               <m:e>
                                 <m:sSub>
                                   <m:sSubPr>
                                     <m:ctrlPr>
-                                      <a:rPr lang="id-ID" sz="2800" i="1"/>
+                                      <a:rPr lang="id-ID" sz="2800" i="1">
+                                        <a:latin typeface="Cambria Math" panose="02040503050406030204" pitchFamily="18" charset="0"/>
+                                      </a:rPr>
                                     </m:ctrlPr>
                                   </m:sSubPr>
                                   <m:e>
                                     <m:r>
-                                      <a:rPr lang="en-US" sz="2800" i="1"/>
+                                      <a:rPr lang="en-US" sz="2800" i="1">
+                                        <a:latin typeface="Cambria Math" panose="02040503050406030204" pitchFamily="18" charset="0"/>
+                                      </a:rPr>
                                       <m:t>𝑋</m:t>
                                     </m:r>
                                   </m:e>
                                   <m:sub>
                                     <m:r>
-                                      <a:rPr lang="en-US" sz="2800" i="1"/>
+                                      <a:rPr lang="en-US" sz="2800" i="1">
+                                        <a:latin typeface="Cambria Math" panose="02040503050406030204" pitchFamily="18" charset="0"/>
+                                      </a:rPr>
                                       <m:t>𝑖</m:t>
                                     </m:r>
                                   </m:sub>
@@ -9380,65 +9515,89 @@
                 <a14:m>
                   <m:oMath xmlns:m="http://schemas.openxmlformats.org/officeDocument/2006/math">
                     <m:r>
-                      <a:rPr lang="en-US" sz="2800" i="1"/>
+                      <a:rPr lang="en-US" sz="2800" i="1">
+                        <a:latin typeface="Cambria Math" panose="02040503050406030204" pitchFamily="18" charset="0"/>
+                      </a:rPr>
                       <m:t>𝑃</m:t>
                     </m:r>
                     <m:r>
-                      <a:rPr lang="en-US" sz="2800" i="1"/>
+                      <a:rPr lang="en-US" sz="2800" i="1">
+                        <a:latin typeface="Cambria Math" panose="02040503050406030204" pitchFamily="18" charset="0"/>
+                      </a:rPr>
                       <m:t>(</m:t>
                     </m:r>
                     <m:sSub>
                       <m:sSubPr>
                         <m:ctrlPr>
-                          <a:rPr lang="id-ID" sz="2800" i="1"/>
+                          <a:rPr lang="id-ID" sz="2800" i="1">
+                            <a:latin typeface="Cambria Math" panose="02040503050406030204" pitchFamily="18" charset="0"/>
+                          </a:rPr>
                         </m:ctrlPr>
                       </m:sSubPr>
                       <m:e>
                         <m:r>
-                          <a:rPr lang="en-US" sz="2800" i="1"/>
+                          <a:rPr lang="en-US" sz="2800" i="1">
+                            <a:latin typeface="Cambria Math" panose="02040503050406030204" pitchFamily="18" charset="0"/>
+                          </a:rPr>
                           <m:t>𝑀</m:t>
                         </m:r>
                       </m:e>
                       <m:sub>
                         <m:r>
-                          <a:rPr lang="en-US" sz="2800" i="1"/>
+                          <a:rPr lang="en-US" sz="2800" i="1">
+                            <a:latin typeface="Cambria Math" panose="02040503050406030204" pitchFamily="18" charset="0"/>
+                          </a:rPr>
                           <m:t>𝑖</m:t>
                         </m:r>
                       </m:sub>
                     </m:sSub>
                     <m:r>
-                      <a:rPr lang="en-US" sz="2800" i="1"/>
+                      <a:rPr lang="en-US" sz="2800" i="1">
+                        <a:latin typeface="Cambria Math" panose="02040503050406030204" pitchFamily="18" charset="0"/>
+                      </a:rPr>
                       <m:t>|</m:t>
                     </m:r>
                     <m:r>
-                      <a:rPr lang="en-US" sz="2800" i="1"/>
+                      <a:rPr lang="en-US" sz="2800" i="1">
+                        <a:latin typeface="Cambria Math" panose="02040503050406030204" pitchFamily="18" charset="0"/>
+                      </a:rPr>
                       <m:t>𝑃𝑎</m:t>
                     </m:r>
                     <m:r>
-                      <a:rPr lang="en-US" sz="2800" i="1"/>
+                      <a:rPr lang="en-US" sz="2800" i="1">
+                        <a:latin typeface="Cambria Math" panose="02040503050406030204" pitchFamily="18" charset="0"/>
+                      </a:rPr>
                       <m:t>(</m:t>
                     </m:r>
                     <m:sSub>
                       <m:sSubPr>
                         <m:ctrlPr>
-                          <a:rPr lang="id-ID" sz="2800" i="1"/>
+                          <a:rPr lang="id-ID" sz="2800" i="1">
+                            <a:latin typeface="Cambria Math" panose="02040503050406030204" pitchFamily="18" charset="0"/>
+                          </a:rPr>
                         </m:ctrlPr>
                       </m:sSubPr>
                       <m:e>
                         <m:r>
-                          <a:rPr lang="en-US" sz="2800" i="1"/>
+                          <a:rPr lang="en-US" sz="2800" i="1">
+                            <a:latin typeface="Cambria Math" panose="02040503050406030204" pitchFamily="18" charset="0"/>
+                          </a:rPr>
                           <m:t>𝑀</m:t>
                         </m:r>
                       </m:e>
                       <m:sub>
                         <m:r>
-                          <a:rPr lang="en-US" sz="2800" i="1"/>
+                          <a:rPr lang="en-US" sz="2800" i="1">
+                            <a:latin typeface="Cambria Math" panose="02040503050406030204" pitchFamily="18" charset="0"/>
+                          </a:rPr>
                           <m:t>𝑖</m:t>
                         </m:r>
                       </m:sub>
                     </m:sSub>
                     <m:r>
-                      <a:rPr lang="en-US" sz="2800" i="1"/>
+                      <a:rPr lang="en-US" sz="2800" i="1">
+                        <a:latin typeface="Cambria Math" panose="02040503050406030204" pitchFamily="18" charset="0"/>
+                      </a:rPr>
                       <m:t>) </m:t>
                     </m:r>
                   </m:oMath>
@@ -9450,6 +9609,7 @@
                 <a:endParaRPr lang="id-ID" sz="2800" dirty="0"/>
               </a:p>
               <a:p>
+                <a:pPr/>
                 <a14:m>
                   <m:oMathPara xmlns:m="http://schemas.openxmlformats.org/officeDocument/2006/math">
                     <m:oMathParaPr>
@@ -9457,127 +9617,175 @@
                     </m:oMathParaPr>
                     <m:oMath xmlns:m="http://schemas.openxmlformats.org/officeDocument/2006/math">
                       <m:r>
-                        <a:rPr lang="en-US" sz="2800" i="1"/>
+                        <a:rPr lang="en-US" sz="2800" i="1">
+                          <a:latin typeface="Cambria Math" panose="02040503050406030204" pitchFamily="18" charset="0"/>
+                        </a:rPr>
                         <m:t>𝑃</m:t>
                       </m:r>
                       <m:r>
-                        <a:rPr lang="en-US" sz="2800" i="1"/>
+                        <a:rPr lang="en-US" sz="2800" i="1">
+                          <a:latin typeface="Cambria Math" panose="02040503050406030204" pitchFamily="18" charset="0"/>
+                        </a:rPr>
                         <m:t>(</m:t>
                       </m:r>
                       <m:sSub>
                         <m:sSubPr>
                           <m:ctrlPr>
-                            <a:rPr lang="id-ID" sz="2800" i="1"/>
+                            <a:rPr lang="id-ID" sz="2800" i="1">
+                              <a:latin typeface="Cambria Math" panose="02040503050406030204" pitchFamily="18" charset="0"/>
+                            </a:rPr>
                           </m:ctrlPr>
                         </m:sSubPr>
                         <m:e>
                           <m:r>
-                            <a:rPr lang="en-US" sz="2800" i="1"/>
+                            <a:rPr lang="en-US" sz="2800" i="1">
+                              <a:latin typeface="Cambria Math" panose="02040503050406030204" pitchFamily="18" charset="0"/>
+                            </a:rPr>
                             <m:t>𝑋</m:t>
                           </m:r>
                         </m:e>
                         <m:sub>
                           <m:r>
-                            <a:rPr lang="en-US" sz="2800" i="1"/>
+                            <a:rPr lang="en-US" sz="2800" i="1">
+                              <a:latin typeface="Cambria Math" panose="02040503050406030204" pitchFamily="18" charset="0"/>
+                            </a:rPr>
                             <m:t>𝑖</m:t>
                           </m:r>
                         </m:sub>
                       </m:sSub>
                       <m:r>
-                        <a:rPr lang="en-US" sz="2800" i="1"/>
+                        <a:rPr lang="en-US" sz="2800" i="1">
+                          <a:latin typeface="Cambria Math" panose="02040503050406030204" pitchFamily="18" charset="0"/>
+                        </a:rPr>
                         <m:t>|</m:t>
                       </m:r>
                       <m:r>
-                        <a:rPr lang="en-US" sz="2800" i="1"/>
+                        <a:rPr lang="en-US" sz="2800" i="1">
+                          <a:latin typeface="Cambria Math" panose="02040503050406030204" pitchFamily="18" charset="0"/>
+                        </a:rPr>
                         <m:t>𝑃𝑎</m:t>
                       </m:r>
                       <m:r>
-                        <a:rPr lang="en-US" sz="2800" i="1"/>
+                        <a:rPr lang="en-US" sz="2800" i="1">
+                          <a:latin typeface="Cambria Math" panose="02040503050406030204" pitchFamily="18" charset="0"/>
+                        </a:rPr>
                         <m:t>(</m:t>
                       </m:r>
                       <m:sSub>
                         <m:sSubPr>
                           <m:ctrlPr>
-                            <a:rPr lang="id-ID" sz="2800" i="1"/>
+                            <a:rPr lang="id-ID" sz="2800" i="1">
+                              <a:latin typeface="Cambria Math" panose="02040503050406030204" pitchFamily="18" charset="0"/>
+                            </a:rPr>
                           </m:ctrlPr>
                         </m:sSubPr>
                         <m:e>
                           <m:r>
-                            <a:rPr lang="en-US" sz="2800" i="1"/>
+                            <a:rPr lang="en-US" sz="2800" i="1">
+                              <a:latin typeface="Cambria Math" panose="02040503050406030204" pitchFamily="18" charset="0"/>
+                            </a:rPr>
                             <m:t>𝑋</m:t>
                           </m:r>
                         </m:e>
                         <m:sub>
                           <m:r>
-                            <a:rPr lang="en-US" sz="2800" i="1"/>
+                            <a:rPr lang="en-US" sz="2800" i="1">
+                              <a:latin typeface="Cambria Math" panose="02040503050406030204" pitchFamily="18" charset="0"/>
+                            </a:rPr>
                             <m:t>𝑖</m:t>
                           </m:r>
                         </m:sub>
                       </m:sSub>
                       <m:r>
-                        <a:rPr lang="en-US" sz="2800" i="1"/>
+                        <a:rPr lang="en-US" sz="2800" i="1">
+                          <a:latin typeface="Cambria Math" panose="02040503050406030204" pitchFamily="18" charset="0"/>
+                        </a:rPr>
                         <m:t>)) → </m:t>
                       </m:r>
                       <m:r>
-                        <a:rPr lang="en-US" sz="2800" i="1"/>
+                        <a:rPr lang="en-US" sz="2800" i="1">
+                          <a:latin typeface="Cambria Math" panose="02040503050406030204" pitchFamily="18" charset="0"/>
+                        </a:rPr>
                         <m:t>𝑃</m:t>
                       </m:r>
                       <m:r>
-                        <a:rPr lang="en-US" sz="2800" i="1"/>
+                        <a:rPr lang="en-US" sz="2800" i="1">
+                          <a:latin typeface="Cambria Math" panose="02040503050406030204" pitchFamily="18" charset="0"/>
+                        </a:rPr>
                         <m:t>(</m:t>
                       </m:r>
                       <m:sSub>
                         <m:sSubPr>
                           <m:ctrlPr>
-                            <a:rPr lang="id-ID" sz="2800" i="1"/>
+                            <a:rPr lang="id-ID" sz="2800" i="1">
+                              <a:latin typeface="Cambria Math" panose="02040503050406030204" pitchFamily="18" charset="0"/>
+                            </a:rPr>
                           </m:ctrlPr>
                         </m:sSubPr>
                         <m:e>
                           <m:r>
-                            <a:rPr lang="en-US" sz="2800" i="1"/>
+                            <a:rPr lang="en-US" sz="2800" i="1">
+                              <a:latin typeface="Cambria Math" panose="02040503050406030204" pitchFamily="18" charset="0"/>
+                            </a:rPr>
                             <m:t>𝑀</m:t>
                           </m:r>
                         </m:e>
                         <m:sub>
                           <m:r>
-                            <a:rPr lang="en-US" sz="2800" i="1"/>
+                            <a:rPr lang="en-US" sz="2800" i="1">
+                              <a:latin typeface="Cambria Math" panose="02040503050406030204" pitchFamily="18" charset="0"/>
+                            </a:rPr>
                             <m:t>𝑖</m:t>
                           </m:r>
                         </m:sub>
                       </m:sSub>
                       <m:r>
-                        <a:rPr lang="en-US" sz="2800" i="1"/>
+                        <a:rPr lang="en-US" sz="2800" i="1">
+                          <a:latin typeface="Cambria Math" panose="02040503050406030204" pitchFamily="18" charset="0"/>
+                        </a:rPr>
                         <m:t>|</m:t>
                       </m:r>
                       <m:r>
-                        <a:rPr lang="en-US" sz="2800" i="1"/>
+                        <a:rPr lang="en-US" sz="2800" i="1">
+                          <a:latin typeface="Cambria Math" panose="02040503050406030204" pitchFamily="18" charset="0"/>
+                        </a:rPr>
                         <m:t>𝑃𝑎</m:t>
                       </m:r>
                       <m:r>
-                        <a:rPr lang="en-US" sz="2800" i="1"/>
+                        <a:rPr lang="en-US" sz="2800" i="1">
+                          <a:latin typeface="Cambria Math" panose="02040503050406030204" pitchFamily="18" charset="0"/>
+                        </a:rPr>
                         <m:t>(</m:t>
                       </m:r>
                       <m:sSub>
                         <m:sSubPr>
                           <m:ctrlPr>
-                            <a:rPr lang="id-ID" sz="2800" i="1"/>
+                            <a:rPr lang="id-ID" sz="2800" i="1">
+                              <a:latin typeface="Cambria Math" panose="02040503050406030204" pitchFamily="18" charset="0"/>
+                            </a:rPr>
                           </m:ctrlPr>
                         </m:sSubPr>
                         <m:e>
                           <m:r>
-                            <a:rPr lang="en-US" sz="2800" i="1"/>
+                            <a:rPr lang="en-US" sz="2800" i="1">
+                              <a:latin typeface="Cambria Math" panose="02040503050406030204" pitchFamily="18" charset="0"/>
+                            </a:rPr>
                             <m:t>𝑀</m:t>
                           </m:r>
                         </m:e>
                         <m:sub>
                           <m:r>
-                            <a:rPr lang="en-US" sz="2800" i="1"/>
+                            <a:rPr lang="en-US" sz="2800" i="1">
+                              <a:latin typeface="Cambria Math" panose="02040503050406030204" pitchFamily="18" charset="0"/>
+                            </a:rPr>
                             <m:t>𝑖</m:t>
                           </m:r>
                         </m:sub>
                       </m:sSub>
                       <m:r>
-                        <a:rPr lang="en-US" sz="2800" i="1"/>
+                        <a:rPr lang="en-US" sz="2800" i="1">
+                          <a:latin typeface="Cambria Math" panose="02040503050406030204" pitchFamily="18" charset="0"/>
+                        </a:rPr>
                         <m:t>) </m:t>
                       </m:r>
                     </m:oMath>
@@ -9588,7 +9796,7 @@
             </p:txBody>
           </p:sp>
         </mc:Choice>
-        <mc:Fallback>
+        <mc:Fallback xmlns="">
           <p:sp>
             <p:nvSpPr>
               <p:cNvPr id="7" name="TextBox 6">
@@ -9605,8 +9813,8 @@
             </p:nvSpPr>
             <p:spPr>
               <a:xfrm>
-                <a:off x="20741590" y="17218038"/>
-                <a:ext cx="7509019" cy="1440459"/>
+                <a:off x="16924560" y="19726593"/>
+                <a:ext cx="12763433" cy="1009572"/>
               </a:xfrm>
               <a:prstGeom prst="rect">
                 <a:avLst/>
@@ -9614,7 +9822,7 @@
               <a:blipFill>
                 <a:blip r:embed="rId12"/>
                 <a:stretch>
-                  <a:fillRect l="-1623" t="-2954"/>
+                  <a:fillRect l="-955" t="-4819"/>
                 </a:stretch>
               </a:blipFill>
             </p:spPr>
@@ -9647,7 +9855,7 @@
         </p:nvSpPr>
         <p:spPr>
           <a:xfrm>
-            <a:off x="15219540" y="18534033"/>
+            <a:off x="15067140" y="19638933"/>
             <a:ext cx="7880120" cy="791014"/>
           </a:xfrm>
           <a:prstGeom prst="rect">
@@ -9673,8 +9881,8 @@
           </a:p>
         </p:txBody>
       </p:sp>
-      <mc:AlternateContent xmlns:mc="http://schemas.openxmlformats.org/markup-compatibility/2006">
-        <mc:Choice xmlns:a14="http://schemas.microsoft.com/office/drawing/2010/main" Requires="a14">
+      <mc:AlternateContent xmlns:mc="http://schemas.openxmlformats.org/markup-compatibility/2006" xmlns:a14="http://schemas.microsoft.com/office/drawing/2010/main">
+        <mc:Choice Requires="a14">
           <p:sp>
             <p:nvSpPr>
               <p:cNvPr id="8" name="TextBox 7">
@@ -9689,8 +9897,8 @@
             </p:nvSpPr>
             <p:spPr>
               <a:xfrm>
-                <a:off x="15219540" y="28878894"/>
-                <a:ext cx="9874622" cy="1386085"/>
+                <a:off x="15219540" y="30440994"/>
+                <a:ext cx="9874622" cy="1815882"/>
               </a:xfrm>
               <a:prstGeom prst="rect">
                 <a:avLst/>
@@ -9705,7 +9913,13 @@
               <a:p>
                 <a:r>
                   <a:rPr lang="en-US" sz="2800" b="1" u="sng" dirty="0"/>
-                  <a:t>Marginal Probability Distribution: </a:t>
+                  <a:t>Marginal Probability Distribution (MPD): </a:t>
+                </a:r>
+              </a:p>
+              <a:p>
+                <a:r>
+                  <a:rPr lang="en-US" sz="2800" dirty="0"/>
+                  <a:t>MPD in node A given probability in node B (P(B)):</a:t>
                 </a:r>
               </a:p>
               <a:p>
@@ -9721,60 +9935,84 @@
                         <m:limLoc m:val="undOvr"/>
                         <m:supHide m:val="on"/>
                         <m:ctrlPr>
-                          <a:rPr lang="id-ID" sz="2800" i="1"/>
+                          <a:rPr lang="id-ID" sz="2800" i="1">
+                            <a:latin typeface="Cambria Math" panose="02040503050406030204" pitchFamily="18" charset="0"/>
+                          </a:rPr>
                         </m:ctrlPr>
                       </m:naryPr>
                       <m:sub>
                         <m:r>
-                          <a:rPr lang="en-US" sz="2800" i="1"/>
+                          <a:rPr lang="en-US" sz="2800" i="1">
+                            <a:latin typeface="Cambria Math" panose="02040503050406030204" pitchFamily="18" charset="0"/>
+                          </a:rPr>
                           <m:t>𝑏</m:t>
                         </m:r>
                       </m:sub>
                       <m:sup/>
                       <m:e>
                         <m:r>
-                          <a:rPr lang="en-US" sz="2800" i="1"/>
+                          <a:rPr lang="en-US" sz="2800" i="1">
+                            <a:latin typeface="Cambria Math" panose="02040503050406030204" pitchFamily="18" charset="0"/>
+                          </a:rPr>
                           <m:t>𝑃</m:t>
                         </m:r>
                         <m:d>
                           <m:dPr>
                             <m:ctrlPr>
-                              <a:rPr lang="id-ID" sz="2800" i="1"/>
+                              <a:rPr lang="id-ID" sz="2800" i="1">
+                                <a:latin typeface="Cambria Math" panose="02040503050406030204" pitchFamily="18" charset="0"/>
+                              </a:rPr>
                             </m:ctrlPr>
                           </m:dPr>
                           <m:e>
                             <m:r>
-                              <a:rPr lang="en-US" sz="2800" i="1"/>
+                              <a:rPr lang="en-US" sz="2800" i="1">
+                                <a:latin typeface="Cambria Math" panose="02040503050406030204" pitchFamily="18" charset="0"/>
+                              </a:rPr>
                               <m:t>𝐴</m:t>
                             </m:r>
                             <m:r>
-                              <a:rPr lang="en-US" sz="2800" i="1"/>
+                              <a:rPr lang="en-US" sz="2800" i="1">
+                                <a:latin typeface="Cambria Math" panose="02040503050406030204" pitchFamily="18" charset="0"/>
+                              </a:rPr>
                               <m:t>=</m:t>
                             </m:r>
                             <m:r>
-                              <a:rPr lang="en-US" sz="2800" i="1"/>
+                              <a:rPr lang="en-US" sz="2800" i="1">
+                                <a:latin typeface="Cambria Math" panose="02040503050406030204" pitchFamily="18" charset="0"/>
+                              </a:rPr>
                               <m:t>𝑎</m:t>
                             </m:r>
                             <m:r>
-                              <a:rPr lang="en-US" sz="2800" i="1"/>
+                              <a:rPr lang="en-US" sz="2800" i="1">
+                                <a:latin typeface="Cambria Math" panose="02040503050406030204" pitchFamily="18" charset="0"/>
+                              </a:rPr>
                               <m:t>, </m:t>
                             </m:r>
                             <m:r>
-                              <a:rPr lang="en-US" sz="2800" i="1"/>
+                              <a:rPr lang="en-US" sz="2800" i="1">
+                                <a:latin typeface="Cambria Math" panose="02040503050406030204" pitchFamily="18" charset="0"/>
+                              </a:rPr>
                               <m:t>𝐵</m:t>
                             </m:r>
                             <m:r>
-                              <a:rPr lang="en-US" sz="2800" i="1"/>
+                              <a:rPr lang="en-US" sz="2800" i="1">
+                                <a:latin typeface="Cambria Math" panose="02040503050406030204" pitchFamily="18" charset="0"/>
+                              </a:rPr>
                               <m:t>=</m:t>
                             </m:r>
                             <m:r>
-                              <a:rPr lang="en-US" sz="2800" i="1"/>
+                              <a:rPr lang="en-US" sz="2800" i="1">
+                                <a:latin typeface="Cambria Math" panose="02040503050406030204" pitchFamily="18" charset="0"/>
+                              </a:rPr>
                               <m:t>𝑏</m:t>
                             </m:r>
                           </m:e>
                         </m:d>
                         <m:r>
-                          <a:rPr lang="en-US" sz="2800" i="1"/>
+                          <a:rPr lang="en-US" sz="2800" i="1">
+                            <a:latin typeface="Cambria Math" panose="02040503050406030204" pitchFamily="18" charset="0"/>
+                          </a:rPr>
                           <m:t>= </m:t>
                         </m:r>
                       </m:e>
@@ -9785,79 +10023,111 @@
                         <m:limLoc m:val="undOvr"/>
                         <m:supHide m:val="on"/>
                         <m:ctrlPr>
-                          <a:rPr lang="id-ID" sz="2800" i="1"/>
+                          <a:rPr lang="id-ID" sz="2800" i="1">
+                            <a:latin typeface="Cambria Math" panose="02040503050406030204" pitchFamily="18" charset="0"/>
+                          </a:rPr>
                         </m:ctrlPr>
                       </m:naryPr>
                       <m:sub>
                         <m:r>
-                          <a:rPr lang="en-US" sz="2800" i="1"/>
+                          <a:rPr lang="en-US" sz="2800" i="1">
+                            <a:latin typeface="Cambria Math" panose="02040503050406030204" pitchFamily="18" charset="0"/>
+                          </a:rPr>
                           <m:t>𝑏</m:t>
                         </m:r>
                       </m:sub>
                       <m:sup/>
                       <m:e>
                         <m:r>
-                          <a:rPr lang="en-US" sz="2800" i="1"/>
+                          <a:rPr lang="en-US" sz="2800" i="1">
+                            <a:latin typeface="Cambria Math" panose="02040503050406030204" pitchFamily="18" charset="0"/>
+                          </a:rPr>
                           <m:t>𝑃</m:t>
                         </m:r>
                         <m:d>
                           <m:dPr>
                             <m:ctrlPr>
-                              <a:rPr lang="id-ID" sz="2800" i="1"/>
+                              <a:rPr lang="id-ID" sz="2800" i="1">
+                                <a:latin typeface="Cambria Math" panose="02040503050406030204" pitchFamily="18" charset="0"/>
+                              </a:rPr>
                             </m:ctrlPr>
                           </m:dPr>
                           <m:e>
                             <m:r>
-                              <a:rPr lang="en-US" sz="2800" i="1"/>
+                              <a:rPr lang="en-US" sz="2800" i="1">
+                                <a:latin typeface="Cambria Math" panose="02040503050406030204" pitchFamily="18" charset="0"/>
+                              </a:rPr>
                               <m:t>𝐴</m:t>
                             </m:r>
                             <m:r>
-                              <a:rPr lang="en-US" sz="2800" i="1"/>
+                              <a:rPr lang="en-US" sz="2800" i="1">
+                                <a:latin typeface="Cambria Math" panose="02040503050406030204" pitchFamily="18" charset="0"/>
+                              </a:rPr>
                               <m:t>=</m:t>
                             </m:r>
                             <m:r>
-                              <a:rPr lang="en-US" sz="2800" i="1"/>
+                              <a:rPr lang="en-US" sz="2800" i="1">
+                                <a:latin typeface="Cambria Math" panose="02040503050406030204" pitchFamily="18" charset="0"/>
+                              </a:rPr>
                               <m:t>𝑎</m:t>
                             </m:r>
                             <m:r>
-                              <a:rPr lang="en-US" sz="2800" i="1"/>
+                              <a:rPr lang="en-US" sz="2800" i="1">
+                                <a:latin typeface="Cambria Math" panose="02040503050406030204" pitchFamily="18" charset="0"/>
+                              </a:rPr>
                               <m:t> | </m:t>
                             </m:r>
                             <m:r>
-                              <a:rPr lang="en-US" sz="2800" i="1"/>
+                              <a:rPr lang="en-US" sz="2800" i="1">
+                                <a:latin typeface="Cambria Math" panose="02040503050406030204" pitchFamily="18" charset="0"/>
+                              </a:rPr>
                               <m:t>𝐵</m:t>
                             </m:r>
                             <m:r>
-                              <a:rPr lang="en-US" sz="2800" i="1"/>
+                              <a:rPr lang="en-US" sz="2800" i="1">
+                                <a:latin typeface="Cambria Math" panose="02040503050406030204" pitchFamily="18" charset="0"/>
+                              </a:rPr>
                               <m:t>=</m:t>
                             </m:r>
                             <m:r>
-                              <a:rPr lang="en-US" sz="2800" i="1"/>
+                              <a:rPr lang="en-US" sz="2800" i="1">
+                                <a:latin typeface="Cambria Math" panose="02040503050406030204" pitchFamily="18" charset="0"/>
+                              </a:rPr>
                               <m:t>𝑏</m:t>
                             </m:r>
                           </m:e>
                         </m:d>
                         <m:r>
-                          <a:rPr lang="en-US" sz="2800" i="1"/>
+                          <a:rPr lang="en-US" sz="2800" i="1">
+                            <a:latin typeface="Cambria Math" panose="02040503050406030204" pitchFamily="18" charset="0"/>
+                          </a:rPr>
                           <m:t>𝑃</m:t>
                         </m:r>
                         <m:d>
                           <m:dPr>
                             <m:ctrlPr>
-                              <a:rPr lang="id-ID" sz="2800" i="1"/>
+                              <a:rPr lang="id-ID" sz="2800" i="1">
+                                <a:latin typeface="Cambria Math" panose="02040503050406030204" pitchFamily="18" charset="0"/>
+                              </a:rPr>
                             </m:ctrlPr>
                           </m:dPr>
                           <m:e>
                             <m:r>
-                              <a:rPr lang="en-US" sz="2800" i="1"/>
+                              <a:rPr lang="en-US" sz="2800" i="1">
+                                <a:latin typeface="Cambria Math" panose="02040503050406030204" pitchFamily="18" charset="0"/>
+                              </a:rPr>
                               <m:t>𝐵</m:t>
                             </m:r>
                             <m:r>
-                              <a:rPr lang="en-US" sz="2800" i="1"/>
+                              <a:rPr lang="en-US" sz="2800" i="1">
+                                <a:latin typeface="Cambria Math" panose="02040503050406030204" pitchFamily="18" charset="0"/>
+                              </a:rPr>
                               <m:t>=</m:t>
                             </m:r>
                             <m:r>
-                              <a:rPr lang="en-US" sz="2800" i="1"/>
+                              <a:rPr lang="en-US" sz="2800" i="1">
+                                <a:latin typeface="Cambria Math" panose="02040503050406030204" pitchFamily="18" charset="0"/>
+                              </a:rPr>
                               <m:t>𝑏</m:t>
                             </m:r>
                           </m:e>
@@ -9874,7 +10144,7 @@
             </p:txBody>
           </p:sp>
         </mc:Choice>
-        <mc:Fallback>
+        <mc:Fallback xmlns="">
           <p:sp>
             <p:nvSpPr>
               <p:cNvPr id="8" name="TextBox 7">
@@ -9891,8 +10161,8 @@
             </p:nvSpPr>
             <p:spPr>
               <a:xfrm>
-                <a:off x="15219540" y="28878894"/>
-                <a:ext cx="9874622" cy="1386085"/>
+                <a:off x="15219540" y="30440994"/>
+                <a:ext cx="9874622" cy="1815882"/>
               </a:xfrm>
               <a:prstGeom prst="rect">
                 <a:avLst/>
@@ -9900,7 +10170,7 @@
               <a:blipFill>
                 <a:blip r:embed="rId13"/>
                 <a:stretch>
-                  <a:fillRect l="-1297" t="-4386"/>
+                  <a:fillRect l="-1297" t="-3704"/>
                 </a:stretch>
               </a:blipFill>
             </p:spPr>
@@ -9919,36 +10189,6 @@
           </p:sp>
         </mc:Fallback>
       </mc:AlternateContent>
-      <p:pic>
-        <p:nvPicPr>
-          <p:cNvPr id="9" name="Picture 8">
-            <a:extLst>
-              <a:ext uri="{FF2B5EF4-FFF2-40B4-BE49-F238E27FC236}">
-                <a16:creationId xmlns:a16="http://schemas.microsoft.com/office/drawing/2014/main" id="{CF27D887-E0F1-4FAF-B922-38CE9D50B6E0}"/>
-              </a:ext>
-            </a:extLst>
-          </p:cNvPr>
-          <p:cNvPicPr>
-            <a:picLocks noChangeAspect="1"/>
-          </p:cNvPicPr>
-          <p:nvPr/>
-        </p:nvPicPr>
-        <p:blipFill>
-          <a:blip r:embed="rId14"/>
-          <a:stretch>
-            <a:fillRect/>
-          </a:stretch>
-        </p:blipFill>
-        <p:spPr>
-          <a:xfrm>
-            <a:off x="30916993" y="7336526"/>
-            <a:ext cx="10539198" cy="2220826"/>
-          </a:xfrm>
-          <a:prstGeom prst="rect">
-            <a:avLst/>
-          </a:prstGeom>
-        </p:spPr>
-      </p:pic>
       <p:sp>
         <p:nvSpPr>
           <p:cNvPr id="110" name="TextShape 18">
@@ -9963,7 +10203,7 @@
         </p:nvSpPr>
         <p:spPr>
           <a:xfrm>
-            <a:off x="29621340" y="5139600"/>
+            <a:off x="29621340" y="6168300"/>
             <a:ext cx="7880120" cy="1218960"/>
           </a:xfrm>
           <a:prstGeom prst="rect">
@@ -9989,40 +10229,6 @@
           </a:p>
         </p:txBody>
       </p:sp>
-      <p:pic>
-        <p:nvPicPr>
-          <p:cNvPr id="111" name="Picture 110">
-            <a:extLst>
-              <a:ext uri="{FF2B5EF4-FFF2-40B4-BE49-F238E27FC236}">
-                <a16:creationId xmlns:a16="http://schemas.microsoft.com/office/drawing/2014/main" id="{255CB4D2-BF40-4208-8384-26A53C65E31D}"/>
-              </a:ext>
-            </a:extLst>
-          </p:cNvPr>
-          <p:cNvPicPr/>
-          <p:nvPr/>
-        </p:nvPicPr>
-        <p:blipFill>
-          <a:blip r:embed="rId15">
-            <a:extLst>
-              <a:ext uri="{28A0092B-C50C-407E-A947-70E740481C1C}">
-                <a14:useLocalDpi xmlns:a14="http://schemas.microsoft.com/office/drawing/2010/main" val="0"/>
-              </a:ext>
-            </a:extLst>
-          </a:blip>
-          <a:stretch>
-            <a:fillRect/>
-          </a:stretch>
-        </p:blipFill>
-        <p:spPr>
-          <a:xfrm>
-            <a:off x="29280110" y="12646147"/>
-            <a:ext cx="14187001" cy="9573875"/>
-          </a:xfrm>
-          <a:prstGeom prst="rect">
-            <a:avLst/>
-          </a:prstGeom>
-        </p:spPr>
-      </p:pic>
       <p:sp>
         <p:nvSpPr>
           <p:cNvPr id="112" name="TextShape 18">
@@ -10037,7 +10243,7 @@
         </p:nvSpPr>
         <p:spPr>
           <a:xfrm>
-            <a:off x="29840400" y="9453947"/>
+            <a:off x="29840400" y="11135787"/>
             <a:ext cx="7880120" cy="1218960"/>
           </a:xfrm>
           <a:prstGeom prst="rect">
@@ -10084,7 +10290,7 @@
         </p:nvSpPr>
         <p:spPr>
           <a:xfrm>
-            <a:off x="29659440" y="12084525"/>
+            <a:off x="29659440" y="16368048"/>
             <a:ext cx="12801240" cy="1218960"/>
           </a:xfrm>
           <a:prstGeom prst="rect">
@@ -10107,116 +10313,6 @@
               <a:t>Evaluation</a:t>
             </a:r>
             <a:endParaRPr sz="1100" b="1" dirty="0"/>
-          </a:p>
-        </p:txBody>
-      </p:sp>
-      <p:sp>
-        <p:nvSpPr>
-          <p:cNvPr id="115" name="TextShape 40">
-            <a:extLst>
-              <a:ext uri="{FF2B5EF4-FFF2-40B4-BE49-F238E27FC236}">
-                <a16:creationId xmlns:a16="http://schemas.microsoft.com/office/drawing/2014/main" id="{080CB076-92F6-442E-B420-063935687944}"/>
-              </a:ext>
-            </a:extLst>
-          </p:cNvPr>
-          <p:cNvSpPr txBox="1"/>
-          <p:nvPr/>
-        </p:nvSpPr>
-        <p:spPr>
-          <a:xfrm>
-            <a:off x="30180299" y="22425330"/>
-            <a:ext cx="12801240" cy="2143020"/>
-          </a:xfrm>
-          <a:prstGeom prst="rect">
-            <a:avLst/>
-          </a:prstGeom>
-        </p:spPr>
-        <p:txBody>
-          <a:bodyPr tIns="182880"/>
-          <a:lstStyle/>
-          <a:p>
-            <a:pPr>
-              <a:lnSpc>
-                <a:spcPct val="100000"/>
-              </a:lnSpc>
-              <a:buFont typeface="Arial"/>
-              <a:buChar char="•"/>
-            </a:pPr>
-            <a:r>
-              <a:rPr lang="en-AU" sz="3200" dirty="0">
-                <a:solidFill>
-                  <a:srgbClr val="000000"/>
-                </a:solidFill>
-                <a:latin typeface="Arial"/>
-              </a:rPr>
-              <a:t> Proposed approach (A3) compared to component-based model (A1) from Lucas (2001) and functional-based model (A2) from </a:t>
-            </a:r>
-            <a:r>
-              <a:rPr lang="en-US" sz="3200" dirty="0">
-                <a:solidFill>
-                  <a:srgbClr val="000000"/>
-                </a:solidFill>
-              </a:rPr>
-              <a:t>Mercado et al. (2016) and Wortham &amp; </a:t>
-            </a:r>
-            <a:r>
-              <a:rPr lang="en-US" sz="3200" dirty="0" err="1">
-                <a:solidFill>
-                  <a:srgbClr val="000000"/>
-                </a:solidFill>
-              </a:rPr>
-              <a:t>Theodorou</a:t>
-            </a:r>
-            <a:r>
-              <a:rPr lang="en-US" sz="3200" dirty="0">
-                <a:solidFill>
-                  <a:srgbClr val="000000"/>
-                </a:solidFill>
-              </a:rPr>
-              <a:t> (2017) </a:t>
-            </a:r>
-            <a:r>
-              <a:rPr lang="en-AU" sz="3200" dirty="0">
-                <a:solidFill>
-                  <a:srgbClr val="000000"/>
-                </a:solidFill>
-                <a:latin typeface="Arial"/>
-              </a:rPr>
-              <a:t>using fuzzy hierarchical analysis .</a:t>
-            </a:r>
-          </a:p>
-          <a:p>
-            <a:pPr>
-              <a:lnSpc>
-                <a:spcPct val="100000"/>
-              </a:lnSpc>
-              <a:buFont typeface="Arial"/>
-              <a:buChar char="•"/>
-            </a:pPr>
-            <a:r>
-              <a:rPr lang="en-US" sz="3200" dirty="0">
-                <a:solidFill>
-                  <a:srgbClr val="000000"/>
-                </a:solidFill>
-              </a:rPr>
-              <a:t> The proposed approach can produce more transparency information whilst a manageable performance can still be achieved</a:t>
-            </a:r>
-            <a:endParaRPr lang="en-AU" sz="3200" dirty="0">
-              <a:solidFill>
-                <a:srgbClr val="000000"/>
-              </a:solidFill>
-              <a:latin typeface="Arial"/>
-            </a:endParaRPr>
-          </a:p>
-          <a:p>
-            <a:pPr>
-              <a:lnSpc>
-                <a:spcPct val="100000"/>
-              </a:lnSpc>
-              <a:buFont typeface="Arial"/>
-              <a:buChar char="•"/>
-            </a:pPr>
-            <a:endParaRPr dirty="0"/>
           </a:p>
         </p:txBody>
       </p:sp>
@@ -10235,7 +10331,7 @@
           <p:nvPr/>
         </p:nvPicPr>
         <p:blipFill>
-          <a:blip r:embed="rId16">
+          <a:blip r:embed="rId14">
             <a:extLst>
               <a:ext uri="{28A0092B-C50C-407E-A947-70E740481C1C}">
                 <a14:useLocalDpi xmlns:a14="http://schemas.microsoft.com/office/drawing/2010/main" val="0"/>
@@ -10249,8 +10345,8 @@
         </p:blipFill>
         <p:spPr bwMode="auto">
           <a:xfrm>
-            <a:off x="31852453" y="107620"/>
-            <a:ext cx="3009048" cy="3553172"/>
+            <a:off x="32442160" y="271495"/>
+            <a:ext cx="3434252" cy="5276875"/>
           </a:xfrm>
           <a:prstGeom prst="rect">
             <a:avLst/>
@@ -10282,7 +10378,7 @@
           <p:nvPr/>
         </p:nvPicPr>
         <p:blipFill>
-          <a:blip r:embed="rId17">
+          <a:blip r:embed="rId15">
             <a:extLst>
               <a:ext uri="{28A0092B-C50C-407E-A947-70E740481C1C}">
                 <a14:useLocalDpi xmlns:a14="http://schemas.microsoft.com/office/drawing/2010/main" val="0"/>
@@ -10296,8 +10392,8 @@
         </p:blipFill>
         <p:spPr bwMode="auto">
           <a:xfrm>
-            <a:off x="34861501" y="145720"/>
-            <a:ext cx="9029699" cy="3489649"/>
+            <a:off x="36034192" y="299498"/>
+            <a:ext cx="7704607" cy="5276875"/>
           </a:xfrm>
           <a:prstGeom prst="rect">
             <a:avLst/>
@@ -10312,6 +10408,487 @@
               </a14:hiddenFill>
             </a:ext>
           </a:extLst>
+        </p:spPr>
+      </p:pic>
+      <p:sp>
+        <p:nvSpPr>
+          <p:cNvPr id="55" name="TextShape 38">
+            <a:extLst>
+              <a:ext uri="{FF2B5EF4-FFF2-40B4-BE49-F238E27FC236}">
+                <a16:creationId xmlns:a16="http://schemas.microsoft.com/office/drawing/2014/main" id="{F88AE1B3-8965-4A56-86A6-7B7C5297494A}"/>
+              </a:ext>
+            </a:extLst>
+          </p:cNvPr>
+          <p:cNvSpPr txBox="1"/>
+          <p:nvPr/>
+        </p:nvSpPr>
+        <p:spPr>
+          <a:xfrm>
+            <a:off x="30339361" y="11836683"/>
+            <a:ext cx="12801240" cy="1496457"/>
+          </a:xfrm>
+          <a:prstGeom prst="rect">
+            <a:avLst/>
+          </a:prstGeom>
+        </p:spPr>
+        <p:txBody>
+          <a:bodyPr tIns="182880"/>
+          <a:lstStyle/>
+          <a:p>
+            <a:pPr>
+              <a:lnSpc>
+                <a:spcPct val="100000"/>
+              </a:lnSpc>
+            </a:pPr>
+            <a:r>
+              <a:rPr lang="en-AU" sz="3200" dirty="0">
+                <a:solidFill>
+                  <a:srgbClr val="000000"/>
+                </a:solidFill>
+                <a:latin typeface="Arial"/>
+              </a:rPr>
+              <a:t>Conveying transparency information about what the agent knows about surrounding object states and its impact on agent’s task-related performance in linguistic terms to be connected to end user presentation</a:t>
+            </a:r>
+            <a:endParaRPr dirty="0"/>
+          </a:p>
+        </p:txBody>
+      </p:sp>
+      <p:pic>
+        <p:nvPicPr>
+          <p:cNvPr id="2" name="Picture 1">
+            <a:extLst>
+              <a:ext uri="{FF2B5EF4-FFF2-40B4-BE49-F238E27FC236}">
+                <a16:creationId xmlns:a16="http://schemas.microsoft.com/office/drawing/2014/main" id="{A20400CB-68C3-47DB-BCCA-0844A46D8859}"/>
+              </a:ext>
+            </a:extLst>
+          </p:cNvPr>
+          <p:cNvPicPr>
+            <a:picLocks noChangeAspect="1"/>
+          </p:cNvPicPr>
+          <p:nvPr/>
+        </p:nvPicPr>
+        <p:blipFill>
+          <a:blip r:embed="rId16"/>
+          <a:stretch>
+            <a:fillRect/>
+          </a:stretch>
+        </p:blipFill>
+        <p:spPr>
+          <a:xfrm>
+            <a:off x="39739845" y="13533325"/>
+            <a:ext cx="2962275" cy="2296645"/>
+          </a:xfrm>
+          <a:prstGeom prst="rect">
+            <a:avLst/>
+          </a:prstGeom>
+        </p:spPr>
+      </p:pic>
+      <p:sp>
+        <p:nvSpPr>
+          <p:cNvPr id="58" name="TextShape 40">
+            <a:extLst>
+              <a:ext uri="{FF2B5EF4-FFF2-40B4-BE49-F238E27FC236}">
+                <a16:creationId xmlns:a16="http://schemas.microsoft.com/office/drawing/2014/main" id="{F1472826-276D-4918-AAE1-4224B3DAFFCE}"/>
+              </a:ext>
+            </a:extLst>
+          </p:cNvPr>
+          <p:cNvSpPr txBox="1"/>
+          <p:nvPr/>
+        </p:nvSpPr>
+        <p:spPr>
+          <a:xfrm>
+            <a:off x="39076579" y="15688483"/>
+            <a:ext cx="4028215" cy="555299"/>
+          </a:xfrm>
+          <a:prstGeom prst="rect">
+            <a:avLst/>
+          </a:prstGeom>
+        </p:spPr>
+        <p:txBody>
+          <a:bodyPr tIns="182880"/>
+          <a:lstStyle/>
+          <a:p>
+            <a:pPr algn="ctr">
+              <a:lnSpc>
+                <a:spcPct val="100000"/>
+              </a:lnSpc>
+            </a:pPr>
+            <a:r>
+              <a:rPr lang="en-AU" sz="3200" dirty="0">
+                <a:solidFill>
+                  <a:srgbClr val="000000"/>
+                </a:solidFill>
+                <a:latin typeface="Arial"/>
+              </a:rPr>
+              <a:t>Example Indicator</a:t>
+            </a:r>
+          </a:p>
+          <a:p>
+            <a:pPr algn="ctr">
+              <a:lnSpc>
+                <a:spcPct val="100000"/>
+              </a:lnSpc>
+            </a:pPr>
+            <a:r>
+              <a:rPr lang="en-AU" sz="3200" dirty="0">
+                <a:solidFill>
+                  <a:srgbClr val="000000"/>
+                </a:solidFill>
+                <a:latin typeface="Arial"/>
+              </a:rPr>
+              <a:t>P(TVR=True) = 0.8</a:t>
+            </a:r>
+            <a:endParaRPr dirty="0"/>
+          </a:p>
+        </p:txBody>
+      </p:sp>
+      <p:sp>
+        <p:nvSpPr>
+          <p:cNvPr id="59" name="TextShape 40">
+            <a:extLst>
+              <a:ext uri="{FF2B5EF4-FFF2-40B4-BE49-F238E27FC236}">
+                <a16:creationId xmlns:a16="http://schemas.microsoft.com/office/drawing/2014/main" id="{4138AD24-7B2D-4DB7-914B-38B72652820B}"/>
+              </a:ext>
+            </a:extLst>
+          </p:cNvPr>
+          <p:cNvSpPr txBox="1"/>
+          <p:nvPr/>
+        </p:nvSpPr>
+        <p:spPr>
+          <a:xfrm>
+            <a:off x="30180299" y="17169053"/>
+            <a:ext cx="12801240" cy="2143020"/>
+          </a:xfrm>
+          <a:prstGeom prst="rect">
+            <a:avLst/>
+          </a:prstGeom>
+        </p:spPr>
+        <p:txBody>
+          <a:bodyPr tIns="182880"/>
+          <a:lstStyle/>
+          <a:p>
+            <a:pPr>
+              <a:lnSpc>
+                <a:spcPct val="100000"/>
+              </a:lnSpc>
+              <a:buFont typeface="Arial"/>
+              <a:buChar char="•"/>
+            </a:pPr>
+            <a:r>
+              <a:rPr lang="en-AU" sz="3200" dirty="0">
+                <a:solidFill>
+                  <a:srgbClr val="000000"/>
+                </a:solidFill>
+                <a:latin typeface="Arial"/>
+              </a:rPr>
+              <a:t> The evaluation criteria is based on the ability to provide transparency information in following theme: agent’s reasoning (C1), reaction plans (C2), likelihood of success on given task (C3), possible outcomes (C4), progress outcomes (C5), perceiving failures (C6). Additionally, the ability to handle uncertainties (C7) is also taken into account. </a:t>
+            </a:r>
+          </a:p>
+          <a:p>
+            <a:pPr>
+              <a:lnSpc>
+                <a:spcPct val="100000"/>
+              </a:lnSpc>
+              <a:buFont typeface="Arial"/>
+              <a:buChar char="•"/>
+            </a:pPr>
+            <a:r>
+              <a:rPr lang="en-AU" sz="3200" dirty="0">
+                <a:solidFill>
+                  <a:srgbClr val="000000"/>
+                </a:solidFill>
+                <a:latin typeface="Arial"/>
+              </a:rPr>
+              <a:t> The comparison result of our </a:t>
+            </a:r>
+            <a:r>
+              <a:rPr lang="en-AU" sz="3200" dirty="0">
+                <a:solidFill>
+                  <a:srgbClr val="000000"/>
+                </a:solidFill>
+              </a:rPr>
+              <a:t>proposed approach (A2) with the component-based model (A1) from Lucas (2001):</a:t>
+            </a:r>
+            <a:endParaRPr lang="en-AU" sz="3200" dirty="0">
+              <a:solidFill>
+                <a:srgbClr val="000000"/>
+              </a:solidFill>
+              <a:latin typeface="Arial"/>
+            </a:endParaRPr>
+          </a:p>
+          <a:p>
+            <a:pPr>
+              <a:lnSpc>
+                <a:spcPct val="100000"/>
+              </a:lnSpc>
+              <a:buFont typeface="Arial"/>
+              <a:buChar char="•"/>
+            </a:pPr>
+            <a:endParaRPr dirty="0"/>
+          </a:p>
+        </p:txBody>
+      </p:sp>
+      <p:pic>
+        <p:nvPicPr>
+          <p:cNvPr id="5" name="Picture 4">
+            <a:extLst>
+              <a:ext uri="{FF2B5EF4-FFF2-40B4-BE49-F238E27FC236}">
+                <a16:creationId xmlns:a16="http://schemas.microsoft.com/office/drawing/2014/main" id="{45161D68-25FC-425A-BF7F-9F4C023BA03B}"/>
+              </a:ext>
+            </a:extLst>
+          </p:cNvPr>
+          <p:cNvPicPr>
+            <a:picLocks noChangeAspect="1"/>
+          </p:cNvPicPr>
+          <p:nvPr/>
+        </p:nvPicPr>
+        <p:blipFill>
+          <a:blip r:embed="rId17"/>
+          <a:stretch>
+            <a:fillRect/>
+          </a:stretch>
+        </p:blipFill>
+        <p:spPr>
+          <a:xfrm>
+            <a:off x="30235597" y="20731715"/>
+            <a:ext cx="5426003" cy="5772057"/>
+          </a:xfrm>
+          <a:prstGeom prst="rect">
+            <a:avLst/>
+          </a:prstGeom>
+        </p:spPr>
+      </p:pic>
+      <p:pic>
+        <p:nvPicPr>
+          <p:cNvPr id="10" name="Picture 9">
+            <a:extLst>
+              <a:ext uri="{FF2B5EF4-FFF2-40B4-BE49-F238E27FC236}">
+                <a16:creationId xmlns:a16="http://schemas.microsoft.com/office/drawing/2014/main" id="{CB7936BB-2F94-4DC0-8D75-CA03FFD200D2}"/>
+              </a:ext>
+            </a:extLst>
+          </p:cNvPr>
+          <p:cNvPicPr>
+            <a:picLocks noChangeAspect="1"/>
+          </p:cNvPicPr>
+          <p:nvPr/>
+        </p:nvPicPr>
+        <p:blipFill>
+          <a:blip r:embed="rId18"/>
+          <a:stretch>
+            <a:fillRect/>
+          </a:stretch>
+        </p:blipFill>
+        <p:spPr>
+          <a:xfrm>
+            <a:off x="35661600" y="21833603"/>
+            <a:ext cx="7095818" cy="4891560"/>
+          </a:xfrm>
+          <a:prstGeom prst="rect">
+            <a:avLst/>
+          </a:prstGeom>
+        </p:spPr>
+      </p:pic>
+      <p:sp>
+        <p:nvSpPr>
+          <p:cNvPr id="61" name="TextShape 18">
+            <a:extLst>
+              <a:ext uri="{FF2B5EF4-FFF2-40B4-BE49-F238E27FC236}">
+                <a16:creationId xmlns:a16="http://schemas.microsoft.com/office/drawing/2014/main" id="{C214692A-1E31-4066-AF10-CF3C59A81C96}"/>
+              </a:ext>
+            </a:extLst>
+          </p:cNvPr>
+          <p:cNvSpPr txBox="1"/>
+          <p:nvPr/>
+        </p:nvSpPr>
+        <p:spPr>
+          <a:xfrm>
+            <a:off x="35475020" y="20917765"/>
+            <a:ext cx="7880120" cy="907887"/>
+          </a:xfrm>
+          <a:prstGeom prst="rect">
+            <a:avLst/>
+          </a:prstGeom>
+        </p:spPr>
+        <p:txBody>
+          <a:bodyPr lIns="365760" anchor="ctr"/>
+          <a:lstStyle/>
+          <a:p>
+            <a:pPr>
+              <a:lnSpc>
+                <a:spcPct val="100000"/>
+              </a:lnSpc>
+            </a:pPr>
+            <a:r>
+              <a:rPr lang="en-US" sz="2800" b="1" u="sng" dirty="0">
+                <a:latin typeface="Arial"/>
+              </a:rPr>
+              <a:t>Computational Performance</a:t>
+            </a:r>
+          </a:p>
+          <a:p>
+            <a:pPr>
+              <a:lnSpc>
+                <a:spcPct val="100000"/>
+              </a:lnSpc>
+            </a:pPr>
+            <a:endParaRPr sz="1000" b="1" u="sng" dirty="0"/>
+          </a:p>
+        </p:txBody>
+      </p:sp>
+      <p:sp>
+        <p:nvSpPr>
+          <p:cNvPr id="63" name="TextShape 40">
+            <a:extLst>
+              <a:ext uri="{FF2B5EF4-FFF2-40B4-BE49-F238E27FC236}">
+                <a16:creationId xmlns:a16="http://schemas.microsoft.com/office/drawing/2014/main" id="{05E92A8F-AA91-4A54-B8B9-DCBFAD26164E}"/>
+              </a:ext>
+            </a:extLst>
+          </p:cNvPr>
+          <p:cNvSpPr txBox="1"/>
+          <p:nvPr/>
+        </p:nvSpPr>
+        <p:spPr>
+          <a:xfrm>
+            <a:off x="30033517" y="26567778"/>
+            <a:ext cx="13321623" cy="1803852"/>
+          </a:xfrm>
+          <a:prstGeom prst="rect">
+            <a:avLst/>
+          </a:prstGeom>
+        </p:spPr>
+        <p:txBody>
+          <a:bodyPr tIns="182880"/>
+          <a:lstStyle/>
+          <a:p>
+            <a:pPr>
+              <a:lnSpc>
+                <a:spcPct val="100000"/>
+              </a:lnSpc>
+              <a:buFont typeface="Arial"/>
+              <a:buChar char="•"/>
+            </a:pPr>
+            <a:r>
+              <a:rPr lang="en-AU" sz="3200" dirty="0">
+                <a:solidFill>
+                  <a:srgbClr val="000000"/>
+                </a:solidFill>
+                <a:latin typeface="Arial"/>
+              </a:rPr>
+              <a:t> Our proposed approach is good at C2-C5, and a manageable computational performance to produce all information can still be achieved mainly </a:t>
+            </a:r>
+            <a:r>
+              <a:rPr lang="en-AU" sz="3200">
+                <a:solidFill>
+                  <a:srgbClr val="000000"/>
+                </a:solidFill>
+                <a:latin typeface="Arial"/>
+              </a:rPr>
+              <a:t>in supporting </a:t>
+            </a:r>
+            <a:r>
+              <a:rPr lang="en-AU" sz="3200" dirty="0">
+                <a:solidFill>
+                  <a:srgbClr val="000000"/>
+                </a:solidFill>
+                <a:latin typeface="Arial"/>
+              </a:rPr>
+              <a:t>driving situations (execution time average = 0.028/s). </a:t>
+            </a:r>
+          </a:p>
+          <a:p>
+            <a:pPr>
+              <a:lnSpc>
+                <a:spcPct val="100000"/>
+              </a:lnSpc>
+              <a:buFont typeface="Arial"/>
+              <a:buChar char="•"/>
+            </a:pPr>
+            <a:r>
+              <a:rPr lang="en-AU" sz="3200" dirty="0">
+                <a:solidFill>
+                  <a:srgbClr val="000000"/>
+                </a:solidFill>
+                <a:latin typeface="Arial"/>
+              </a:rPr>
+              <a:t> The proposed approach is suitable for human teammate that can only absorb limited information within limited time due to their tasks in a rapid change environment like in driving. </a:t>
+            </a:r>
+          </a:p>
+          <a:p>
+            <a:pPr>
+              <a:lnSpc>
+                <a:spcPct val="100000"/>
+              </a:lnSpc>
+              <a:buFont typeface="Arial"/>
+              <a:buChar char="•"/>
+            </a:pPr>
+            <a:endParaRPr dirty="0"/>
+          </a:p>
+        </p:txBody>
+      </p:sp>
+      <p:sp>
+        <p:nvSpPr>
+          <p:cNvPr id="64" name="TextBox 63">
+            <a:extLst>
+              <a:ext uri="{FF2B5EF4-FFF2-40B4-BE49-F238E27FC236}">
+                <a16:creationId xmlns:a16="http://schemas.microsoft.com/office/drawing/2014/main" id="{5C5C7375-E9B4-48BE-9C36-6FB41909B031}"/>
+              </a:ext>
+            </a:extLst>
+          </p:cNvPr>
+          <p:cNvSpPr txBox="1"/>
+          <p:nvPr/>
+        </p:nvSpPr>
+        <p:spPr>
+          <a:xfrm>
+            <a:off x="20305430" y="14054835"/>
+            <a:ext cx="7509019" cy="1815882"/>
+          </a:xfrm>
+          <a:prstGeom prst="rect">
+            <a:avLst/>
+          </a:prstGeom>
+          <a:noFill/>
+        </p:spPr>
+        <p:txBody>
+          <a:bodyPr wrap="square" rtlCol="0">
+            <a:spAutoFit/>
+          </a:bodyPr>
+          <a:lstStyle/>
+          <a:p>
+            <a:r>
+              <a:rPr lang="en-AU" sz="2800" dirty="0"/>
+              <a:t>States from intended objects in driving environment such as traffic light, lead vehicle, curve road are collected and transformed into fuzzy sets</a:t>
+            </a:r>
+            <a:endParaRPr lang="id-ID" sz="2800" dirty="0"/>
+          </a:p>
+        </p:txBody>
+      </p:sp>
+      <p:pic>
+        <p:nvPicPr>
+          <p:cNvPr id="12" name="Picture 11">
+            <a:extLst>
+              <a:ext uri="{FF2B5EF4-FFF2-40B4-BE49-F238E27FC236}">
+                <a16:creationId xmlns:a16="http://schemas.microsoft.com/office/drawing/2014/main" id="{FDA92572-E609-47A2-9951-E4D193D3B2B4}"/>
+              </a:ext>
+            </a:extLst>
+          </p:cNvPr>
+          <p:cNvPicPr>
+            <a:picLocks noChangeAspect="1"/>
+          </p:cNvPicPr>
+          <p:nvPr/>
+        </p:nvPicPr>
+        <p:blipFill>
+          <a:blip r:embed="rId19"/>
+          <a:stretch>
+            <a:fillRect/>
+          </a:stretch>
+        </p:blipFill>
+        <p:spPr>
+          <a:xfrm>
+            <a:off x="31323289" y="9460116"/>
+            <a:ext cx="9767398" cy="1837431"/>
+          </a:xfrm>
+          <a:prstGeom prst="rect">
+            <a:avLst/>
+          </a:prstGeom>
         </p:spPr>
       </p:pic>
     </p:spTree>
